--- a/PresentatieQuantum.pptx
+++ b/PresentatieQuantum.pptx
@@ -10460,8 +10460,8 @@
           </a:p>
         </p:txBody>
       </p:sp>
-      <mc:AlternateContent xmlns:mc="http://schemas.openxmlformats.org/markup-compatibility/2006">
-        <mc:Choice xmlns:a14="http://schemas.microsoft.com/office/drawing/2010/main" Requires="a14">
+      <mc:AlternateContent xmlns:mc="http://schemas.openxmlformats.org/markup-compatibility/2006" xmlns:a14="http://schemas.microsoft.com/office/drawing/2010/main">
+        <mc:Choice Requires="a14">
           <p:sp>
             <p:nvSpPr>
               <p:cNvPr id="5" name="Tijdelijke aanduiding voor inhoud 4">
@@ -10670,7 +10670,7 @@
             </p:txBody>
           </p:sp>
         </mc:Choice>
-        <mc:Fallback>
+        <mc:Fallback xmlns="">
           <p:sp>
             <p:nvSpPr>
               <p:cNvPr id="5" name="Tijdelijke aanduiding voor inhoud 4">
@@ -13846,7 +13846,10 @@
           <a:bodyPr/>
           <a:lstStyle/>
           <a:p>
-            <a:endParaRPr lang="en-GB"/>
+            <a:r>
+              <a:rPr lang="en-GB"/>
+              <a:t>Interesting developments</a:t>
+            </a:r>
           </a:p>
         </p:txBody>
       </p:sp>
@@ -16837,15 +16840,6 @@
 </file>
 
 <file path=customXml/item1.xml><?xml version="1.0" encoding="utf-8"?>
-<p:properties xmlns:p="http://schemas.microsoft.com/office/2006/metadata/properties" xmlns:xsi="http://www.w3.org/2001/XMLSchema-instance" xmlns:pc="http://schemas.microsoft.com/office/infopath/2007/PartnerControls">
-  <documentManagement>
-    <_ip_UnifiedCompliancePolicyUIAction xmlns="http://schemas.microsoft.com/sharepoint/v3" xsi:nil="true"/>
-    <_ip_UnifiedCompliancePolicyProperties xmlns="http://schemas.microsoft.com/sharepoint/v3" xsi:nil="true"/>
-  </documentManagement>
-</p:properties>
-</file>
-
-<file path=customXml/item2.xml><?xml version="1.0" encoding="utf-8"?>
 <ct:contentTypeSchema xmlns:ct="http://schemas.microsoft.com/office/2006/metadata/contentType" xmlns:ma="http://schemas.microsoft.com/office/2006/metadata/properties/metaAttributes" ct:_="" ma:_="" ma:contentTypeName="Document" ma:contentTypeID="0x010100DEEA25CC0A0AC24199CDC46C25B8B0BC" ma:contentTypeVersion="9" ma:contentTypeDescription="Create a new document." ma:contentTypeScope="" ma:versionID="76e25e1730b4532ab1d5e5b131a96a5a">
   <xsd:schema xmlns:xsd="http://www.w3.org/2001/XMLSchema" xmlns:xs="http://www.w3.org/2001/XMLSchema" xmlns:p="http://schemas.microsoft.com/office/2006/metadata/properties" xmlns:ns1="http://schemas.microsoft.com/sharepoint/v3" xmlns:ns2="6dc4bcd6-49db-4c07-9060-8acfc67cef9f" xmlns:ns3="fb0879af-3eba-417a-a55a-ffe6dcd6ca77" targetNamespace="http://schemas.microsoft.com/office/2006/metadata/properties" ma:root="true" ma:fieldsID="ad1e9281a84c4949647088091c718de3" ns1:_="" ns2:_="" ns3:_="">
     <xsd:import namespace="http://schemas.microsoft.com/sharepoint/v3"/>
@@ -17047,25 +17041,16 @@
 </ct:contentTypeSchema>
 </file>
 
-<file path=customXml/itemProps1.xml><?xml version="1.0" encoding="utf-8"?>
-<ds:datastoreItem xmlns:ds="http://schemas.openxmlformats.org/officeDocument/2006/customXml" ds:itemID="{8FB61CFE-D4DA-4753-A9A5-D482B9609A35}">
-  <ds:schemaRefs>
-    <ds:schemaRef ds:uri="http://schemas.microsoft.com/office/2006/metadata/properties"/>
-    <ds:schemaRef ds:uri="http://schemas.microsoft.com/sharepoint/v3"/>
-    <ds:schemaRef ds:uri="http://purl.org/dc/elements/1.1/"/>
-    <ds:schemaRef ds:uri="6dc4bcd6-49db-4c07-9060-8acfc67cef9f"/>
-    <ds:schemaRef ds:uri="http://purl.org/dc/dcmitype/"/>
-    <ds:schemaRef ds:uri="http://schemas.microsoft.com/office/infopath/2007/PartnerControls"/>
-    <ds:schemaRef ds:uri="http://schemas.openxmlformats.org/package/2006/metadata/core-properties"/>
-    <ds:schemaRef ds:uri="http://schemas.microsoft.com/office/2006/documentManagement/types"/>
-    <ds:schemaRef ds:uri="fb0879af-3eba-417a-a55a-ffe6dcd6ca77"/>
-    <ds:schemaRef ds:uri="http://www.w3.org/XML/1998/namespace"/>
-    <ds:schemaRef ds:uri="http://purl.org/dc/terms/"/>
-  </ds:schemaRefs>
-</ds:datastoreItem>
+<file path=customXml/item2.xml><?xml version="1.0" encoding="utf-8"?>
+<p:properties xmlns:p="http://schemas.microsoft.com/office/2006/metadata/properties" xmlns:xsi="http://www.w3.org/2001/XMLSchema-instance" xmlns:pc="http://schemas.microsoft.com/office/infopath/2007/PartnerControls">
+  <documentManagement>
+    <_ip_UnifiedCompliancePolicyUIAction xmlns="http://schemas.microsoft.com/sharepoint/v3" xsi:nil="true"/>
+    <_ip_UnifiedCompliancePolicyProperties xmlns="http://schemas.microsoft.com/sharepoint/v3" xsi:nil="true"/>
+  </documentManagement>
+</p:properties>
 </file>
 
-<file path=customXml/itemProps2.xml><?xml version="1.0" encoding="utf-8"?>
+<file path=customXml/itemProps1.xml><?xml version="1.0" encoding="utf-8"?>
 <ds:datastoreItem xmlns:ds="http://schemas.openxmlformats.org/officeDocument/2006/customXml" ds:itemID="{58A784AD-7888-482C-A72A-80D3063962ED}">
   <ds:schemaRefs>
     <ds:schemaRef ds:uri="http://schemas.microsoft.com/office/2006/metadata/contentType"/>
@@ -17083,4 +17068,22 @@
     <ds:schemaRef ds:uri="http://schemas.microsoft.com/internal/obd"/>
   </ds:schemaRefs>
 </ds:datastoreItem>
+</file>
+
+<file path=customXml/itemProps2.xml><?xml version="1.0" encoding="utf-8"?>
+<ds:datastoreItem xmlns:ds="http://schemas.openxmlformats.org/officeDocument/2006/customXml" ds:itemID="{8FB61CFE-D4DA-4753-A9A5-D482B9609A35}">
+  <ds:schemaRefs>
+    <ds:schemaRef ds:uri="http://schemas.microsoft.com/office/2006/metadata/properties"/>
+    <ds:schemaRef ds:uri="http://schemas.microsoft.com/sharepoint/v3"/>
+    <ds:schemaRef ds:uri="http://purl.org/dc/elements/1.1/"/>
+    <ds:schemaRef ds:uri="6dc4bcd6-49db-4c07-9060-8acfc67cef9f"/>
+    <ds:schemaRef ds:uri="http://purl.org/dc/dcmitype/"/>
+    <ds:schemaRef ds:uri="http://schemas.microsoft.com/office/infopath/2007/PartnerControls"/>
+    <ds:schemaRef ds:uri="http://schemas.openxmlformats.org/package/2006/metadata/core-properties"/>
+    <ds:schemaRef ds:uri="http://schemas.microsoft.com/office/2006/documentManagement/types"/>
+    <ds:schemaRef ds:uri="fb0879af-3eba-417a-a55a-ffe6dcd6ca77"/>
+    <ds:schemaRef ds:uri="http://www.w3.org/XML/1998/namespace"/>
+    <ds:schemaRef ds:uri="http://purl.org/dc/terms/"/>
+  </ds:schemaRefs>
+</ds:datastoreItem>
 </file>
--- a/PresentatieQuantum.pptx
+++ b/PresentatieQuantum.pptx
@@ -13,17 +13,17 @@
   <p:sldIdLst>
     <p:sldId id="282" r:id="rId4"/>
     <p:sldId id="283" r:id="rId5"/>
-    <p:sldId id="292" r:id="rId6"/>
-    <p:sldId id="303" r:id="rId7"/>
-    <p:sldId id="310" r:id="rId8"/>
-    <p:sldId id="297" r:id="rId9"/>
-    <p:sldId id="304" r:id="rId10"/>
-    <p:sldId id="309" r:id="rId11"/>
-    <p:sldId id="311" r:id="rId12"/>
-    <p:sldId id="298" r:id="rId13"/>
-    <p:sldId id="305" r:id="rId14"/>
-    <p:sldId id="320" r:id="rId15"/>
-    <p:sldId id="321" r:id="rId16"/>
+    <p:sldId id="320" r:id="rId6"/>
+    <p:sldId id="321" r:id="rId7"/>
+    <p:sldId id="292" r:id="rId8"/>
+    <p:sldId id="303" r:id="rId9"/>
+    <p:sldId id="310" r:id="rId10"/>
+    <p:sldId id="297" r:id="rId11"/>
+    <p:sldId id="304" r:id="rId12"/>
+    <p:sldId id="309" r:id="rId13"/>
+    <p:sldId id="311" r:id="rId14"/>
+    <p:sldId id="298" r:id="rId15"/>
+    <p:sldId id="305" r:id="rId16"/>
     <p:sldId id="299" r:id="rId17"/>
     <p:sldId id="312" r:id="rId18"/>
     <p:sldId id="306" r:id="rId19"/>
@@ -253,7 +253,7 @@
             <a:pPr rtl="0"/>
             <a:fld id="{C139AB5C-D302-44FB-AD7C-FFAEBCE2B36E}" type="datetime1">
               <a:rPr lang="nl-NL" smtClean="0"/>
-              <a:t>6-6-2020</a:t>
+              <a:t>10-6-2020</a:t>
             </a:fld>
             <a:endParaRPr lang="nl-NL" dirty="0"/>
           </a:p>
@@ -434,7 +434,7 @@
             <a:fld id="{AE145D64-EF2A-41EB-A0B7-10BA5A80F8A8}" type="datetime1">
               <a:rPr lang="nl-NL" smtClean="0"/>
               <a:pPr/>
-              <a:t>6-6-2020</a:t>
+              <a:t>10-6-2020</a:t>
             </a:fld>
             <a:endParaRPr lang="nl-NL" dirty="0"/>
           </a:p>
@@ -864,7 +864,7 @@
     </p:spTree>
     <p:extLst>
       <p:ext uri="{BB962C8B-B14F-4D97-AF65-F5344CB8AC3E}">
-        <p14:creationId xmlns:p14="http://schemas.microsoft.com/office/powerpoint/2010/main" val="4211112538"/>
+        <p14:creationId xmlns:p14="http://schemas.microsoft.com/office/powerpoint/2010/main" val="1377068581"/>
       </p:ext>
     </p:extLst>
   </p:cSld>
@@ -949,7 +949,7 @@
     </p:spTree>
     <p:extLst>
       <p:ext uri="{BB962C8B-B14F-4D97-AF65-F5344CB8AC3E}">
-        <p14:creationId xmlns:p14="http://schemas.microsoft.com/office/powerpoint/2010/main" val="585509294"/>
+        <p14:creationId xmlns:p14="http://schemas.microsoft.com/office/powerpoint/2010/main" val="572120405"/>
       </p:ext>
     </p:extLst>
   </p:cSld>
@@ -1034,7 +1034,7 @@
     </p:spTree>
     <p:extLst>
       <p:ext uri="{BB962C8B-B14F-4D97-AF65-F5344CB8AC3E}">
-        <p14:creationId xmlns:p14="http://schemas.microsoft.com/office/powerpoint/2010/main" val="4009152591"/>
+        <p14:creationId xmlns:p14="http://schemas.microsoft.com/office/powerpoint/2010/main" val="4211112538"/>
       </p:ext>
     </p:extLst>
   </p:cSld>
@@ -1119,7 +1119,7 @@
     </p:spTree>
     <p:extLst>
       <p:ext uri="{BB962C8B-B14F-4D97-AF65-F5344CB8AC3E}">
-        <p14:creationId xmlns:p14="http://schemas.microsoft.com/office/powerpoint/2010/main" val="40039446"/>
+        <p14:creationId xmlns:p14="http://schemas.microsoft.com/office/powerpoint/2010/main" val="585509294"/>
       </p:ext>
     </p:extLst>
   </p:cSld>
@@ -2394,7 +2394,7 @@
     </p:spTree>
     <p:extLst>
       <p:ext uri="{BB962C8B-B14F-4D97-AF65-F5344CB8AC3E}">
-        <p14:creationId xmlns:p14="http://schemas.microsoft.com/office/powerpoint/2010/main" val="111264185"/>
+        <p14:creationId xmlns:p14="http://schemas.microsoft.com/office/powerpoint/2010/main" val="4009152591"/>
       </p:ext>
     </p:extLst>
   </p:cSld>
@@ -2479,7 +2479,7 @@
     </p:spTree>
     <p:extLst>
       <p:ext uri="{BB962C8B-B14F-4D97-AF65-F5344CB8AC3E}">
-        <p14:creationId xmlns:p14="http://schemas.microsoft.com/office/powerpoint/2010/main" val="454233406"/>
+        <p14:creationId xmlns:p14="http://schemas.microsoft.com/office/powerpoint/2010/main" val="40039446"/>
       </p:ext>
     </p:extLst>
   </p:cSld>
@@ -2564,7 +2564,7 @@
     </p:spTree>
     <p:extLst>
       <p:ext uri="{BB962C8B-B14F-4D97-AF65-F5344CB8AC3E}">
-        <p14:creationId xmlns:p14="http://schemas.microsoft.com/office/powerpoint/2010/main" val="3753560829"/>
+        <p14:creationId xmlns:p14="http://schemas.microsoft.com/office/powerpoint/2010/main" val="111264185"/>
       </p:ext>
     </p:extLst>
   </p:cSld>
@@ -2649,7 +2649,7 @@
     </p:spTree>
     <p:extLst>
       <p:ext uri="{BB962C8B-B14F-4D97-AF65-F5344CB8AC3E}">
-        <p14:creationId xmlns:p14="http://schemas.microsoft.com/office/powerpoint/2010/main" val="821653945"/>
+        <p14:creationId xmlns:p14="http://schemas.microsoft.com/office/powerpoint/2010/main" val="454233406"/>
       </p:ext>
     </p:extLst>
   </p:cSld>
@@ -2734,7 +2734,7 @@
     </p:spTree>
     <p:extLst>
       <p:ext uri="{BB962C8B-B14F-4D97-AF65-F5344CB8AC3E}">
-        <p14:creationId xmlns:p14="http://schemas.microsoft.com/office/powerpoint/2010/main" val="3202035546"/>
+        <p14:creationId xmlns:p14="http://schemas.microsoft.com/office/powerpoint/2010/main" val="3753560829"/>
       </p:ext>
     </p:extLst>
   </p:cSld>
@@ -2819,7 +2819,7 @@
     </p:spTree>
     <p:extLst>
       <p:ext uri="{BB962C8B-B14F-4D97-AF65-F5344CB8AC3E}">
-        <p14:creationId xmlns:p14="http://schemas.microsoft.com/office/powerpoint/2010/main" val="1377068581"/>
+        <p14:creationId xmlns:p14="http://schemas.microsoft.com/office/powerpoint/2010/main" val="821653945"/>
       </p:ext>
     </p:extLst>
   </p:cSld>
@@ -2904,7 +2904,7 @@
     </p:spTree>
     <p:extLst>
       <p:ext uri="{BB962C8B-B14F-4D97-AF65-F5344CB8AC3E}">
-        <p14:creationId xmlns:p14="http://schemas.microsoft.com/office/powerpoint/2010/main" val="572120405"/>
+        <p14:creationId xmlns:p14="http://schemas.microsoft.com/office/powerpoint/2010/main" val="3202035546"/>
       </p:ext>
     </p:extLst>
   </p:cSld>
@@ -8980,6 +8980,9 @@
               <a:rPr lang="nl-NL" sz="5600" dirty="0"/>
               <a:t>How </a:t>
             </a:r>
+            <a:br>
+              <a:rPr lang="nl-NL" sz="5600" dirty="0"/>
+            </a:br>
             <a:r>
               <a:rPr lang="nl-NL" sz="5600" dirty="0" err="1"/>
               <a:t>will</a:t>
@@ -8988,13 +8991,26 @@
               <a:rPr lang="nl-NL" sz="5600" dirty="0"/>
               <a:t> </a:t>
             </a:r>
+            <a:br>
+              <a:rPr lang="nl-NL" sz="5600" dirty="0"/>
+            </a:br>
             <a:r>
               <a:rPr lang="nl-NL" sz="5600" dirty="0" err="1"/>
               <a:t>quantum</a:t>
             </a:r>
-            <a:r>
+            <a:br>
               <a:rPr lang="nl-NL" sz="5600" dirty="0"/>
-              <a:t> computing affect </a:t>
+            </a:br>
+            <a:r>
+              <a:rPr lang="nl-NL" sz="5600" dirty="0"/>
+              <a:t>computing</a:t>
+            </a:r>
+            <a:br>
+              <a:rPr lang="nl-NL" sz="5600" dirty="0"/>
+            </a:br>
+            <a:r>
+              <a:rPr lang="nl-NL" sz="5600" dirty="0"/>
+              <a:t> affect </a:t>
             </a:r>
             <a:br>
               <a:rPr lang="nl-NL" sz="5600" dirty="0"/>
@@ -9126,18 +9142,18 @@
       </p:grpSpPr>
       <p:sp>
         <p:nvSpPr>
-          <p:cNvPr id="3" name="Titel 2">
-            <a:extLst>
-              <a:ext uri="{FF2B5EF4-FFF2-40B4-BE49-F238E27FC236}">
-                <a16:creationId xmlns:a16="http://schemas.microsoft.com/office/drawing/2014/main" id="{200B3D2B-613A-41BE-987D-E6A1324B456D}"/>
-              </a:ext>
-            </a:extLst>
-          </p:cNvPr>
-          <p:cNvSpPr>
-            <a:spLocks noGrp="1"/>
-          </p:cNvSpPr>
-          <p:nvPr>
-            <p:ph type="ctrTitle"/>
+          <p:cNvPr id="2" name="Titel 1">
+            <a:extLst>
+              <a:ext uri="{FF2B5EF4-FFF2-40B4-BE49-F238E27FC236}">
+                <a16:creationId xmlns:a16="http://schemas.microsoft.com/office/drawing/2014/main" id="{19304E83-A4F0-49C5-BB01-F5773509A2B3}"/>
+              </a:ext>
+            </a:extLst>
+          </p:cNvPr>
+          <p:cNvSpPr>
+            <a:spLocks noGrp="1"/>
+          </p:cNvSpPr>
+          <p:nvPr>
+            <p:ph type="title"/>
           </p:nvPr>
         </p:nvSpPr>
         <p:spPr/>
@@ -9147,12 +9163,8 @@
           <a:p>
             <a:pPr rtl="0"/>
             <a:r>
-              <a:rPr lang="nl-NL" dirty="0"/>
-              <a:t>Quantum </a:t>
-            </a:r>
-            <a:r>
               <a:rPr lang="nl-NL" dirty="0" err="1"/>
-              <a:t>Decoherence</a:t>
+              <a:t>Entanglement</a:t>
             </a:r>
             <a:endParaRPr lang="nl-NL" dirty="0"/>
           </a:p>
@@ -9160,55 +9172,18 @@
       </p:sp>
       <p:sp>
         <p:nvSpPr>
-          <p:cNvPr id="4" name="Subtitel 3">
-            <a:extLst>
-              <a:ext uri="{FF2B5EF4-FFF2-40B4-BE49-F238E27FC236}">
-                <a16:creationId xmlns:a16="http://schemas.microsoft.com/office/drawing/2014/main" id="{4772945D-CA91-4CFE-8EB7-941C7618C994}"/>
-              </a:ext>
-            </a:extLst>
-          </p:cNvPr>
-          <p:cNvSpPr>
-            <a:spLocks noGrp="1"/>
-          </p:cNvSpPr>
-          <p:nvPr>
-            <p:ph type="subTitle" idx="1"/>
-          </p:nvPr>
-        </p:nvSpPr>
-        <p:spPr/>
-        <p:txBody>
-          <a:bodyPr rtlCol="0"/>
-          <a:lstStyle/>
-          <a:p>
-            <a:pPr rtl="0"/>
-            <a:r>
-              <a:rPr lang="nl-NL" dirty="0"/>
-              <a:t>The Party </a:t>
-            </a:r>
-            <a:r>
-              <a:rPr lang="nl-NL" dirty="0" err="1"/>
-              <a:t>Crasher</a:t>
-            </a:r>
-            <a:r>
-              <a:rPr lang="nl-NL" dirty="0"/>
-              <a:t> of Quantum computing</a:t>
-            </a:r>
-          </a:p>
-        </p:txBody>
-      </p:sp>
-      <p:sp>
-        <p:nvSpPr>
-          <p:cNvPr id="5" name="Tijdelijke aanduiding voor dianummer 4">
-            <a:extLst>
-              <a:ext uri="{FF2B5EF4-FFF2-40B4-BE49-F238E27FC236}">
-                <a16:creationId xmlns:a16="http://schemas.microsoft.com/office/drawing/2014/main" id="{BDD5A594-D852-43BB-B591-E9D9027253BD}"/>
-              </a:ext>
-            </a:extLst>
-          </p:cNvPr>
-          <p:cNvSpPr>
-            <a:spLocks noGrp="1"/>
-          </p:cNvSpPr>
-          <p:nvPr>
-            <p:ph type="sldNum" sz="quarter" idx="11"/>
+          <p:cNvPr id="8" name="Tijdelijke aanduiding voor dianummer 7">
+            <a:extLst>
+              <a:ext uri="{FF2B5EF4-FFF2-40B4-BE49-F238E27FC236}">
+                <a16:creationId xmlns:a16="http://schemas.microsoft.com/office/drawing/2014/main" id="{E6AC9832-FB01-464A-9824-61887B77997E}"/>
+              </a:ext>
+            </a:extLst>
+          </p:cNvPr>
+          <p:cNvSpPr>
+            <a:spLocks noGrp="1"/>
+          </p:cNvSpPr>
+          <p:nvPr>
+            <p:ph type="sldNum" sz="quarter" idx="33"/>
           </p:nvPr>
         </p:nvSpPr>
         <p:spPr>
@@ -9233,10 +9208,10 @@
       </p:sp>
       <p:sp>
         <p:nvSpPr>
-          <p:cNvPr id="6" name="Rechthoek 5">
-            <a:extLst>
-              <a:ext uri="{FF2B5EF4-FFF2-40B4-BE49-F238E27FC236}">
-                <a16:creationId xmlns:a16="http://schemas.microsoft.com/office/drawing/2014/main" id="{48642D5D-A184-4244-BA08-570D04714268}"/>
+          <p:cNvPr id="9" name="Rechthoek 8">
+            <a:extLst>
+              <a:ext uri="{FF2B5EF4-FFF2-40B4-BE49-F238E27FC236}">
+                <a16:creationId xmlns:a16="http://schemas.microsoft.com/office/drawing/2014/main" id="{769B8F3F-DBFA-482D-93C8-2B22038072F1}"/>
               </a:ext>
             </a:extLst>
           </p:cNvPr>
@@ -9283,10 +9258,134 @@
           </a:p>
         </p:txBody>
       </p:sp>
+      <p:pic>
+        <p:nvPicPr>
+          <p:cNvPr id="6" name="Picture 4" descr="Bloch sphere">
+            <a:extLst>
+              <a:ext uri="{FF2B5EF4-FFF2-40B4-BE49-F238E27FC236}">
+                <a16:creationId xmlns:a16="http://schemas.microsoft.com/office/drawing/2014/main" id="{043A264A-40C6-41A0-B7C0-E39A29AC06FE}"/>
+              </a:ext>
+            </a:extLst>
+          </p:cNvPr>
+          <p:cNvPicPr>
+            <a:picLocks noChangeAspect="1" noChangeArrowheads="1"/>
+          </p:cNvPicPr>
+          <p:nvPr/>
+        </p:nvPicPr>
+        <p:blipFill>
+          <a:blip r:embed="rId3">
+            <a:extLst>
+              <a:ext uri="{28A0092B-C50C-407E-A947-70E740481C1C}">
+                <a14:useLocalDpi xmlns:a14="http://schemas.microsoft.com/office/drawing/2010/main" val="0"/>
+              </a:ext>
+            </a:extLst>
+          </a:blip>
+          <a:srcRect/>
+          <a:stretch>
+            <a:fillRect/>
+          </a:stretch>
+        </p:blipFill>
+        <p:spPr bwMode="auto">
+          <a:xfrm>
+            <a:off x="432000" y="2251646"/>
+            <a:ext cx="3144347" cy="2790872"/>
+          </a:xfrm>
+          <a:prstGeom prst="rect">
+            <a:avLst/>
+          </a:prstGeom>
+          <a:noFill/>
+          <a:extLst>
+            <a:ext uri="{909E8E84-426E-40DD-AFC4-6F175D3DCCD1}">
+              <a14:hiddenFill xmlns:a14="http://schemas.microsoft.com/office/drawing/2010/main">
+                <a:solidFill>
+                  <a:srgbClr val="FFFFFF"/>
+                </a:solidFill>
+              </a14:hiddenFill>
+            </a:ext>
+          </a:extLst>
+        </p:spPr>
+      </p:pic>
+      <p:pic>
+        <p:nvPicPr>
+          <p:cNvPr id="7" name="Picture 4" descr="Bloch sphere">
+            <a:extLst>
+              <a:ext uri="{FF2B5EF4-FFF2-40B4-BE49-F238E27FC236}">
+                <a16:creationId xmlns:a16="http://schemas.microsoft.com/office/drawing/2014/main" id="{011EEF79-3118-4F24-8C11-B3FED1204A73}"/>
+              </a:ext>
+            </a:extLst>
+          </p:cNvPr>
+          <p:cNvPicPr>
+            <a:picLocks noChangeAspect="1" noChangeArrowheads="1"/>
+          </p:cNvPicPr>
+          <p:nvPr/>
+        </p:nvPicPr>
+        <p:blipFill>
+          <a:blip r:embed="rId3">
+            <a:extLst>
+              <a:ext uri="{28A0092B-C50C-407E-A947-70E740481C1C}">
+                <a14:useLocalDpi xmlns:a14="http://schemas.microsoft.com/office/drawing/2010/main" val="0"/>
+              </a:ext>
+            </a:extLst>
+          </a:blip>
+          <a:srcRect/>
+          <a:stretch>
+            <a:fillRect/>
+          </a:stretch>
+        </p:blipFill>
+        <p:spPr bwMode="auto">
+          <a:xfrm>
+            <a:off x="6485653" y="2251646"/>
+            <a:ext cx="3144347" cy="2790872"/>
+          </a:xfrm>
+          <a:prstGeom prst="rect">
+            <a:avLst/>
+          </a:prstGeom>
+          <a:noFill/>
+          <a:extLst>
+            <a:ext uri="{909E8E84-426E-40DD-AFC4-6F175D3DCCD1}">
+              <a14:hiddenFill xmlns:a14="http://schemas.microsoft.com/office/drawing/2010/main">
+                <a:solidFill>
+                  <a:srgbClr val="FFFFFF"/>
+                </a:solidFill>
+              </a14:hiddenFill>
+            </a:ext>
+          </a:extLst>
+        </p:spPr>
+      </p:pic>
+      <p:pic>
+        <p:nvPicPr>
+          <p:cNvPr id="4" name="Afbeelding 3">
+            <a:extLst>
+              <a:ext uri="{FF2B5EF4-FFF2-40B4-BE49-F238E27FC236}">
+                <a16:creationId xmlns:a16="http://schemas.microsoft.com/office/drawing/2014/main" id="{F7232C08-8C0A-4CD4-A771-11C1DD24ECEE}"/>
+              </a:ext>
+            </a:extLst>
+          </p:cNvPr>
+          <p:cNvPicPr>
+            <a:picLocks noChangeAspect="1"/>
+          </p:cNvPicPr>
+          <p:nvPr/>
+        </p:nvPicPr>
+        <p:blipFill>
+          <a:blip r:embed="rId4"/>
+          <a:stretch>
+            <a:fillRect/>
+          </a:stretch>
+        </p:blipFill>
+        <p:spPr>
+          <a:xfrm>
+            <a:off x="3825998" y="2251646"/>
+            <a:ext cx="2474573" cy="2790872"/>
+          </a:xfrm>
+          <a:prstGeom prst="rect">
+            <a:avLst/>
+          </a:prstGeom>
+        </p:spPr>
+      </p:pic>
     </p:spTree>
     <p:extLst>
       <p:ext uri="{BB962C8B-B14F-4D97-AF65-F5344CB8AC3E}">
-        <p14:creationId xmlns:p14="http://schemas.microsoft.com/office/powerpoint/2010/main" val="3327228012"/>
+        <p14:creationId xmlns:p14="http://schemas.microsoft.com/office/powerpoint/2010/main" val="1139893420"/>
       </p:ext>
     </p:extLst>
   </p:cSld>
@@ -9315,26 +9414,21 @@
       </p:grpSpPr>
       <p:sp>
         <p:nvSpPr>
-          <p:cNvPr id="5" name="Tijdelijke aanduiding voor inhoud 4">
-            <a:extLst>
-              <a:ext uri="{FF2B5EF4-FFF2-40B4-BE49-F238E27FC236}">
-                <a16:creationId xmlns:a16="http://schemas.microsoft.com/office/drawing/2014/main" id="{CEEB3BAE-C0B2-447C-B8BE-96C6BD84D658}"/>
-              </a:ext>
-            </a:extLst>
-          </p:cNvPr>
-          <p:cNvSpPr>
-            <a:spLocks noGrp="1"/>
-          </p:cNvSpPr>
-          <p:nvPr>
-            <p:ph sz="half" idx="2"/>
-          </p:nvPr>
-        </p:nvSpPr>
-        <p:spPr>
-          <a:xfrm>
-            <a:off x="1169993" y="1984948"/>
-            <a:ext cx="4500000" cy="2520000"/>
-          </a:xfrm>
-        </p:spPr>
+          <p:cNvPr id="2" name="Titel 1">
+            <a:extLst>
+              <a:ext uri="{FF2B5EF4-FFF2-40B4-BE49-F238E27FC236}">
+                <a16:creationId xmlns:a16="http://schemas.microsoft.com/office/drawing/2014/main" id="{19304E83-A4F0-49C5-BB01-F5773509A2B3}"/>
+              </a:ext>
+            </a:extLst>
+          </p:cNvPr>
+          <p:cNvSpPr>
+            <a:spLocks noGrp="1"/>
+          </p:cNvSpPr>
+          <p:nvPr>
+            <p:ph type="title"/>
+          </p:nvPr>
+        </p:nvSpPr>
+        <p:spPr/>
         <p:txBody>
           <a:bodyPr rtlCol="0"/>
           <a:lstStyle/>
@@ -9342,79 +9436,7 @@
             <a:pPr rtl="0"/>
             <a:r>
               <a:rPr lang="nl-NL" dirty="0" err="1"/>
-              <a:t>Internal</a:t>
-            </a:r>
-            <a:r>
-              <a:rPr lang="nl-NL" dirty="0"/>
-              <a:t> </a:t>
-            </a:r>
-            <a:r>
-              <a:rPr lang="nl-NL" dirty="0" err="1"/>
-              <a:t>decoherence</a:t>
-            </a:r>
-            <a:endParaRPr lang="nl-NL" dirty="0"/>
-          </a:p>
-          <a:p>
-            <a:pPr rtl="0"/>
-            <a:r>
-              <a:rPr lang="nl-NL" dirty="0" err="1"/>
-              <a:t>External</a:t>
-            </a:r>
-            <a:r>
-              <a:rPr lang="nl-NL" dirty="0"/>
-              <a:t> </a:t>
-            </a:r>
-            <a:r>
-              <a:rPr lang="nl-NL" dirty="0" err="1"/>
-              <a:t>decoherence</a:t>
-            </a:r>
-            <a:endParaRPr lang="nl-NL" dirty="0"/>
-          </a:p>
-          <a:p>
-            <a:pPr rtl="0"/>
-            <a:r>
-              <a:rPr lang="nl-NL" dirty="0" err="1"/>
-              <a:t>Length</a:t>
-            </a:r>
-            <a:r>
-              <a:rPr lang="nl-NL" dirty="0"/>
-              <a:t> of </a:t>
-            </a:r>
-            <a:r>
-              <a:rPr lang="nl-NL" dirty="0" err="1"/>
-              <a:t>calculations</a:t>
-            </a:r>
-            <a:endParaRPr lang="nl-NL" dirty="0"/>
-          </a:p>
-          <a:p>
-            <a:pPr rtl="0"/>
-            <a:r>
-              <a:rPr lang="nl-NL" dirty="0" err="1"/>
-              <a:t>Size</a:t>
-            </a:r>
-            <a:r>
-              <a:rPr lang="nl-NL" dirty="0"/>
-              <a:t> of </a:t>
-            </a:r>
-            <a:r>
-              <a:rPr lang="nl-NL" dirty="0" err="1"/>
-              <a:t>the</a:t>
-            </a:r>
-            <a:r>
-              <a:rPr lang="nl-NL" dirty="0"/>
-              <a:t> </a:t>
-            </a:r>
-            <a:r>
-              <a:rPr lang="nl-NL" dirty="0" err="1"/>
-              <a:t>quantum</a:t>
-            </a:r>
-            <a:r>
-              <a:rPr lang="nl-NL" dirty="0"/>
-              <a:t> </a:t>
-            </a:r>
-            <a:r>
-              <a:rPr lang="nl-NL" dirty="0" err="1"/>
-              <a:t>devices</a:t>
+              <a:t>Interference</a:t>
             </a:r>
             <a:endParaRPr lang="nl-NL" dirty="0"/>
           </a:p>
@@ -9508,75 +9530,17 @@
           </a:p>
         </p:txBody>
       </p:sp>
-      <p:sp>
-        <p:nvSpPr>
-          <p:cNvPr id="11" name="Tijdelijke aanduiding voor tekst 10">
-            <a:extLst>
-              <a:ext uri="{FF2B5EF4-FFF2-40B4-BE49-F238E27FC236}">
-                <a16:creationId xmlns:a16="http://schemas.microsoft.com/office/drawing/2014/main" id="{C10BD615-476E-4782-960E-AAD3B1BE1ED8}"/>
-              </a:ext>
-            </a:extLst>
-          </p:cNvPr>
-          <p:cNvSpPr>
-            <a:spLocks noGrp="1"/>
-          </p:cNvSpPr>
-          <p:nvPr>
-            <p:ph type="body" sz="quarter" idx="32"/>
-          </p:nvPr>
-        </p:nvSpPr>
-        <p:spPr>
-          <a:xfrm>
-            <a:off x="432000" y="1009215"/>
-            <a:ext cx="9198000" cy="360000"/>
-          </a:xfrm>
-        </p:spPr>
-        <p:txBody>
-          <a:bodyPr/>
-          <a:lstStyle/>
-          <a:p>
-            <a:endParaRPr lang="en-GB" dirty="0"/>
-          </a:p>
-        </p:txBody>
-      </p:sp>
-      <p:sp>
-        <p:nvSpPr>
-          <p:cNvPr id="13" name="Titel 12">
-            <a:extLst>
-              <a:ext uri="{FF2B5EF4-FFF2-40B4-BE49-F238E27FC236}">
-                <a16:creationId xmlns:a16="http://schemas.microsoft.com/office/drawing/2014/main" id="{287AED0A-7B7F-4874-B7A3-97B9BE79B956}"/>
-              </a:ext>
-            </a:extLst>
-          </p:cNvPr>
-          <p:cNvSpPr>
-            <a:spLocks noGrp="1"/>
-          </p:cNvSpPr>
-          <p:nvPr>
-            <p:ph type="title"/>
-          </p:nvPr>
-        </p:nvSpPr>
-        <p:spPr/>
-        <p:txBody>
-          <a:bodyPr/>
-          <a:lstStyle/>
-          <a:p>
-            <a:r>
-              <a:rPr lang="en-GB" dirty="0"/>
-              <a:t>Decoherence</a:t>
-            </a:r>
-          </a:p>
-        </p:txBody>
-      </p:sp>
       <p:pic>
         <p:nvPicPr>
-          <p:cNvPr id="23" name="Afbeelding 22" descr="Afbeelding met klok&#10;&#10;Automatisch gegenereerde beschrijving">
-            <a:extLst>
-              <a:ext uri="{FF2B5EF4-FFF2-40B4-BE49-F238E27FC236}">
-                <a16:creationId xmlns:a16="http://schemas.microsoft.com/office/drawing/2014/main" id="{06510D7E-2C37-4F69-9F7D-1421EFB716DA}"/>
+          <p:cNvPr id="4098" name="Picture 2" descr="Wave interference - Wikipedia">
+            <a:extLst>
+              <a:ext uri="{FF2B5EF4-FFF2-40B4-BE49-F238E27FC236}">
+                <a16:creationId xmlns:a16="http://schemas.microsoft.com/office/drawing/2014/main" id="{F382CE70-BEFB-4B00-B145-C8056CE51CD9}"/>
               </a:ext>
             </a:extLst>
           </p:cNvPr>
           <p:cNvPicPr>
-            <a:picLocks noChangeAspect="1"/>
+            <a:picLocks noChangeAspect="1" noChangeArrowheads="1"/>
           </p:cNvPicPr>
           <p:nvPr/>
         </p:nvPicPr>
@@ -9588,60 +9552,35 @@
               </a:ext>
             </a:extLst>
           </a:blip>
+          <a:srcRect/>
           <a:stretch>
             <a:fillRect/>
           </a:stretch>
         </p:blipFill>
-        <p:spPr>
+        <p:spPr bwMode="auto">
           <a:xfrm>
-            <a:off x="1169993" y="4992226"/>
-            <a:ext cx="3580952" cy="1409524"/>
+            <a:off x="432000" y="2060776"/>
+            <a:ext cx="9029180" cy="3017251"/>
           </a:xfrm>
           <a:prstGeom prst="rect">
             <a:avLst/>
           </a:prstGeom>
-        </p:spPr>
-      </p:pic>
-      <p:pic>
-        <p:nvPicPr>
-          <p:cNvPr id="25" name="Afbeelding 24" descr="Afbeelding met schermafbeelding&#10;&#10;Automatisch gegenereerde beschrijving">
-            <a:extLst>
-              <a:ext uri="{FF2B5EF4-FFF2-40B4-BE49-F238E27FC236}">
-                <a16:creationId xmlns:a16="http://schemas.microsoft.com/office/drawing/2014/main" id="{45D4A7B6-D7E7-4FBF-ABB3-7E08D9172974}"/>
-              </a:ext>
-            </a:extLst>
-          </p:cNvPr>
-          <p:cNvPicPr>
-            <a:picLocks noChangeAspect="1"/>
-          </p:cNvPicPr>
-          <p:nvPr/>
-        </p:nvPicPr>
-        <p:blipFill>
-          <a:blip r:embed="rId4">
-            <a:extLst>
-              <a:ext uri="{28A0092B-C50C-407E-A947-70E740481C1C}">
-                <a14:useLocalDpi xmlns:a14="http://schemas.microsoft.com/office/drawing/2010/main" val="0"/>
-              </a:ext>
-            </a:extLst>
-          </a:blip>
-          <a:stretch>
-            <a:fillRect/>
-          </a:stretch>
-        </p:blipFill>
-        <p:spPr>
-          <a:xfrm>
-            <a:off x="5755948" y="3881749"/>
-            <a:ext cx="3528002" cy="2520001"/>
-          </a:xfrm>
-          <a:prstGeom prst="rect">
-            <a:avLst/>
-          </a:prstGeom>
+          <a:noFill/>
+          <a:extLst>
+            <a:ext uri="{909E8E84-426E-40DD-AFC4-6F175D3DCCD1}">
+              <a14:hiddenFill xmlns:a14="http://schemas.microsoft.com/office/drawing/2010/main">
+                <a:solidFill>
+                  <a:srgbClr val="FFFFFF"/>
+                </a:solidFill>
+              </a14:hiddenFill>
+            </a:ext>
+          </a:extLst>
         </p:spPr>
       </p:pic>
     </p:spTree>
     <p:extLst>
       <p:ext uri="{BB962C8B-B14F-4D97-AF65-F5344CB8AC3E}">
-        <p14:creationId xmlns:p14="http://schemas.microsoft.com/office/powerpoint/2010/main" val="599816098"/>
+        <p14:creationId xmlns:p14="http://schemas.microsoft.com/office/powerpoint/2010/main" val="819258562"/>
       </p:ext>
     </p:extLst>
   </p:cSld>
@@ -9692,8 +9631,13 @@
             <a:pPr rtl="0"/>
             <a:r>
               <a:rPr lang="nl-NL" dirty="0"/>
-              <a:t>The Mainframe</a:t>
-            </a:r>
+              <a:t>Quantum </a:t>
+            </a:r>
+            <a:r>
+              <a:rPr lang="nl-NL" dirty="0" err="1"/>
+              <a:t>Decoherence</a:t>
+            </a:r>
+            <a:endParaRPr lang="nl-NL" dirty="0"/>
           </a:p>
         </p:txBody>
       </p:sp>
@@ -9721,7 +9665,15 @@
             <a:pPr rtl="0"/>
             <a:r>
               <a:rPr lang="nl-NL" dirty="0"/>
-              <a:t>The Transaction backbone</a:t>
+              <a:t>The Party </a:t>
+            </a:r>
+            <a:r>
+              <a:rPr lang="nl-NL" dirty="0" err="1"/>
+              <a:t>Crasher</a:t>
+            </a:r>
+            <a:r>
+              <a:rPr lang="nl-NL" dirty="0"/>
+              <a:t> of Quantum computing</a:t>
             </a:r>
           </a:p>
         </p:txBody>
@@ -9742,7 +9694,12 @@
             <p:ph type="sldNum" sz="quarter" idx="11"/>
           </p:nvPr>
         </p:nvSpPr>
-        <p:spPr/>
+        <p:spPr>
+          <a:xfrm>
+            <a:off x="11447502" y="6401750"/>
+            <a:ext cx="278418" cy="274324"/>
+          </a:xfrm>
+        </p:spPr>
         <p:txBody>
           <a:bodyPr rtlCol="0"/>
           <a:lstStyle/>
@@ -9762,7 +9719,7 @@
           <p:cNvPr id="6" name="Rechthoek 5">
             <a:extLst>
               <a:ext uri="{FF2B5EF4-FFF2-40B4-BE49-F238E27FC236}">
-                <a16:creationId xmlns:a16="http://schemas.microsoft.com/office/drawing/2014/main" id="{82CCAA2D-D4AF-46E7-BA70-08E60DCC3C08}"/>
+                <a16:creationId xmlns:a16="http://schemas.microsoft.com/office/drawing/2014/main" id="{48642D5D-A184-4244-BA08-570D04714268}"/>
               </a:ext>
             </a:extLst>
           </p:cNvPr>
@@ -9812,7 +9769,7 @@
     </p:spTree>
     <p:extLst>
       <p:ext uri="{BB962C8B-B14F-4D97-AF65-F5344CB8AC3E}">
-        <p14:creationId xmlns:p14="http://schemas.microsoft.com/office/powerpoint/2010/main" val="1789827523"/>
+        <p14:creationId xmlns:p14="http://schemas.microsoft.com/office/powerpoint/2010/main" val="3327228012"/>
       </p:ext>
     </p:extLst>
   </p:cSld>
@@ -9867,88 +9824,81 @@
           <a:p>
             <a:pPr rtl="0"/>
             <a:r>
-              <a:rPr lang="nl-NL" dirty="0"/>
-              <a:t>I/O </a:t>
+              <a:rPr lang="nl-NL" dirty="0" err="1"/>
+              <a:t>Internal</a:t>
+            </a:r>
+            <a:r>
+              <a:rPr lang="nl-NL" dirty="0"/>
+              <a:t> </a:t>
+            </a:r>
+            <a:r>
+              <a:rPr lang="nl-NL" dirty="0" err="1"/>
+              <a:t>decoherence</a:t>
+            </a:r>
+            <a:endParaRPr lang="nl-NL" dirty="0"/>
+          </a:p>
+          <a:p>
+            <a:pPr rtl="0"/>
+            <a:r>
+              <a:rPr lang="nl-NL" dirty="0" err="1"/>
+              <a:t>External</a:t>
+            </a:r>
+            <a:r>
+              <a:rPr lang="nl-NL" dirty="0"/>
+              <a:t> </a:t>
+            </a:r>
+            <a:r>
+              <a:rPr lang="nl-NL" dirty="0" err="1"/>
+              <a:t>decoherence</a:t>
+            </a:r>
+            <a:endParaRPr lang="nl-NL" dirty="0"/>
+          </a:p>
+          <a:p>
+            <a:pPr rtl="0"/>
+            <a:r>
+              <a:rPr lang="nl-NL" dirty="0" err="1"/>
+              <a:t>Length</a:t>
+            </a:r>
+            <a:r>
+              <a:rPr lang="nl-NL" dirty="0"/>
+              <a:t> of </a:t>
+            </a:r>
+            <a:r>
+              <a:rPr lang="nl-NL" dirty="0" err="1"/>
+              <a:t>calculations</a:t>
+            </a:r>
+            <a:endParaRPr lang="nl-NL" dirty="0"/>
+          </a:p>
+          <a:p>
+            <a:pPr rtl="0"/>
+            <a:r>
+              <a:rPr lang="nl-NL" dirty="0" err="1"/>
+              <a:t>Size</a:t>
+            </a:r>
+            <a:r>
+              <a:rPr lang="nl-NL" dirty="0"/>
+              <a:t> of </a:t>
+            </a:r>
+            <a:r>
+              <a:rPr lang="nl-NL" dirty="0" err="1"/>
+              <a:t>the</a:t>
+            </a:r>
+            <a:r>
+              <a:rPr lang="nl-NL" dirty="0"/>
+              <a:t> </a:t>
+            </a:r>
+            <a:r>
+              <a:rPr lang="nl-NL" dirty="0" err="1"/>
+              <a:t>quantum</a:t>
+            </a:r>
+            <a:r>
+              <a:rPr lang="nl-NL" dirty="0"/>
+              <a:t> </a:t>
             </a:r>
             <a:r>
               <a:rPr lang="nl-NL" dirty="0" err="1"/>
               <a:t>devices</a:t>
             </a:r>
-            <a:endParaRPr lang="nl-NL" dirty="0"/>
-          </a:p>
-          <a:p>
-            <a:pPr rtl="0"/>
-            <a:r>
-              <a:rPr lang="nl-NL" dirty="0"/>
-              <a:t>Enterprise </a:t>
-            </a:r>
-            <a:r>
-              <a:rPr lang="nl-NL" dirty="0" err="1"/>
-              <a:t>grade</a:t>
-            </a:r>
-            <a:r>
-              <a:rPr lang="nl-NL" dirty="0"/>
-              <a:t> data </a:t>
-            </a:r>
-            <a:r>
-              <a:rPr lang="nl-NL" dirty="0" err="1"/>
-              <a:t>manipulation</a:t>
-            </a:r>
-            <a:endParaRPr lang="nl-NL" dirty="0"/>
-          </a:p>
-          <a:p>
-            <a:pPr rtl="0"/>
-            <a:r>
-              <a:rPr lang="nl-NL" dirty="0"/>
-              <a:t>Enterprise security </a:t>
-            </a:r>
-            <a:r>
-              <a:rPr lang="nl-NL" dirty="0" err="1"/>
-              <a:t>and</a:t>
-            </a:r>
-            <a:r>
-              <a:rPr lang="nl-NL" dirty="0"/>
-              <a:t> </a:t>
-            </a:r>
-            <a:r>
-              <a:rPr lang="nl-NL" dirty="0" err="1"/>
-              <a:t>atomicity</a:t>
-            </a:r>
-            <a:endParaRPr lang="nl-NL" dirty="0"/>
-          </a:p>
-          <a:p>
-            <a:pPr rtl="0"/>
-            <a:r>
-              <a:rPr lang="nl-NL" dirty="0"/>
-              <a:t>Data </a:t>
-            </a:r>
-            <a:r>
-              <a:rPr lang="nl-NL" dirty="0" err="1"/>
-              <a:t>bottle</a:t>
-            </a:r>
-            <a:r>
-              <a:rPr lang="nl-NL" dirty="0"/>
-              <a:t> </a:t>
-            </a:r>
-            <a:r>
-              <a:rPr lang="nl-NL" dirty="0" err="1"/>
-              <a:t>necks</a:t>
-            </a:r>
-            <a:r>
-              <a:rPr lang="nl-NL" dirty="0"/>
-              <a:t> in </a:t>
-            </a:r>
-            <a:r>
-              <a:rPr lang="nl-NL" dirty="0" err="1"/>
-              <a:t>specific</a:t>
-            </a:r>
-            <a:r>
-              <a:rPr lang="nl-NL" dirty="0"/>
-              <a:t> fields</a:t>
-            </a:r>
-          </a:p>
-          <a:p>
-            <a:pPr rtl="0"/>
             <a:endParaRPr lang="nl-NL" dirty="0"/>
           </a:p>
         </p:txBody>
@@ -10094,22 +10044,22 @@
           <a:p>
             <a:r>
               <a:rPr lang="en-GB" dirty="0"/>
-              <a:t>Mainframe</a:t>
+              <a:t>Decoherence</a:t>
             </a:r>
           </a:p>
         </p:txBody>
       </p:sp>
       <p:pic>
         <p:nvPicPr>
-          <p:cNvPr id="2050" name="Picture 2" descr="IBM z15 - Overview - Belgium/Luxembourg">
-            <a:extLst>
-              <a:ext uri="{FF2B5EF4-FFF2-40B4-BE49-F238E27FC236}">
-                <a16:creationId xmlns:a16="http://schemas.microsoft.com/office/drawing/2014/main" id="{D5E4B45D-1257-4D3D-8C90-F9C845F651DF}"/>
+          <p:cNvPr id="23" name="Afbeelding 22" descr="Afbeelding met klok&#10;&#10;Automatisch gegenereerde beschrijving">
+            <a:extLst>
+              <a:ext uri="{FF2B5EF4-FFF2-40B4-BE49-F238E27FC236}">
+                <a16:creationId xmlns:a16="http://schemas.microsoft.com/office/drawing/2014/main" id="{06510D7E-2C37-4F69-9F7D-1421EFB716DA}"/>
               </a:ext>
             </a:extLst>
           </p:cNvPr>
           <p:cNvPicPr>
-            <a:picLocks noChangeAspect="1" noChangeArrowheads="1"/>
+            <a:picLocks noChangeAspect="1"/>
           </p:cNvPicPr>
           <p:nvPr/>
         </p:nvPicPr>
@@ -10121,35 +10071,60 @@
               </a:ext>
             </a:extLst>
           </a:blip>
-          <a:srcRect/>
           <a:stretch>
             <a:fillRect/>
           </a:stretch>
         </p:blipFill>
-        <p:spPr bwMode="auto">
+        <p:spPr>
           <a:xfrm>
-            <a:off x="5627495" y="4281256"/>
-            <a:ext cx="4002505" cy="2251409"/>
+            <a:off x="1169993" y="4992226"/>
+            <a:ext cx="3580952" cy="1409524"/>
           </a:xfrm>
           <a:prstGeom prst="rect">
             <a:avLst/>
           </a:prstGeom>
-          <a:noFill/>
-          <a:extLst>
-            <a:ext uri="{909E8E84-426E-40DD-AFC4-6F175D3DCCD1}">
-              <a14:hiddenFill xmlns:a14="http://schemas.microsoft.com/office/drawing/2010/main">
-                <a:solidFill>
-                  <a:srgbClr val="FFFFFF"/>
-                </a:solidFill>
-              </a14:hiddenFill>
-            </a:ext>
-          </a:extLst>
+        </p:spPr>
+      </p:pic>
+      <p:pic>
+        <p:nvPicPr>
+          <p:cNvPr id="25" name="Afbeelding 24" descr="Afbeelding met schermafbeelding&#10;&#10;Automatisch gegenereerde beschrijving">
+            <a:extLst>
+              <a:ext uri="{FF2B5EF4-FFF2-40B4-BE49-F238E27FC236}">
+                <a16:creationId xmlns:a16="http://schemas.microsoft.com/office/drawing/2014/main" id="{45D4A7B6-D7E7-4FBF-ABB3-7E08D9172974}"/>
+              </a:ext>
+            </a:extLst>
+          </p:cNvPr>
+          <p:cNvPicPr>
+            <a:picLocks noChangeAspect="1"/>
+          </p:cNvPicPr>
+          <p:nvPr/>
+        </p:nvPicPr>
+        <p:blipFill>
+          <a:blip r:embed="rId4">
+            <a:extLst>
+              <a:ext uri="{28A0092B-C50C-407E-A947-70E740481C1C}">
+                <a14:useLocalDpi xmlns:a14="http://schemas.microsoft.com/office/drawing/2010/main" val="0"/>
+              </a:ext>
+            </a:extLst>
+          </a:blip>
+          <a:stretch>
+            <a:fillRect/>
+          </a:stretch>
+        </p:blipFill>
+        <p:spPr>
+          <a:xfrm>
+            <a:off x="5755948" y="3881749"/>
+            <a:ext cx="3528002" cy="2520001"/>
+          </a:xfrm>
+          <a:prstGeom prst="rect">
+            <a:avLst/>
+          </a:prstGeom>
         </p:spPr>
       </p:pic>
     </p:spTree>
     <p:extLst>
       <p:ext uri="{BB962C8B-B14F-4D97-AF65-F5344CB8AC3E}">
-        <p14:creationId xmlns:p14="http://schemas.microsoft.com/office/powerpoint/2010/main" val="3087157893"/>
+        <p14:creationId xmlns:p14="http://schemas.microsoft.com/office/powerpoint/2010/main" val="599816098"/>
       </p:ext>
     </p:extLst>
   </p:cSld>
@@ -14244,10 +14219,9 @@
           <a:p>
             <a:pPr rtl="0"/>
             <a:r>
-              <a:rPr lang="nl-NL" dirty="0" err="1"/>
-              <a:t>Qubit</a:t>
-            </a:r>
-            <a:endParaRPr lang="nl-NL" dirty="0"/>
+              <a:rPr lang="nl-NL" dirty="0"/>
+              <a:t>The Mainframe</a:t>
+            </a:r>
           </a:p>
         </p:txBody>
       </p:sp>
@@ -14275,31 +14249,7 @@
             <a:pPr rtl="0"/>
             <a:r>
               <a:rPr lang="nl-NL" dirty="0"/>
-              <a:t>The </a:t>
-            </a:r>
-            <a:r>
-              <a:rPr lang="nl-NL" dirty="0" err="1"/>
-              <a:t>core</a:t>
-            </a:r>
-            <a:r>
-              <a:rPr lang="nl-NL" dirty="0"/>
-              <a:t> unit of </a:t>
-            </a:r>
-            <a:r>
-              <a:rPr lang="nl-NL" dirty="0" err="1"/>
-              <a:t>any</a:t>
-            </a:r>
-            <a:r>
-              <a:rPr lang="nl-NL" dirty="0"/>
-              <a:t> </a:t>
-            </a:r>
-            <a:r>
-              <a:rPr lang="nl-NL" dirty="0" err="1"/>
-              <a:t>quantum</a:t>
-            </a:r>
-            <a:r>
-              <a:rPr lang="nl-NL" dirty="0"/>
-              <a:t> device</a:t>
+              <a:t>The Transaction backbone</a:t>
             </a:r>
           </a:p>
         </p:txBody>
@@ -14337,10 +14287,10 @@
       </p:sp>
       <p:sp>
         <p:nvSpPr>
-          <p:cNvPr id="2" name="Rechthoek 1">
-            <a:extLst>
-              <a:ext uri="{FF2B5EF4-FFF2-40B4-BE49-F238E27FC236}">
-                <a16:creationId xmlns:a16="http://schemas.microsoft.com/office/drawing/2014/main" id="{CA97106F-212C-4A4B-9DF2-3D5761D70A89}"/>
+          <p:cNvPr id="6" name="Rechthoek 5">
+            <a:extLst>
+              <a:ext uri="{FF2B5EF4-FFF2-40B4-BE49-F238E27FC236}">
+                <a16:creationId xmlns:a16="http://schemas.microsoft.com/office/drawing/2014/main" id="{82CCAA2D-D4AF-46E7-BA70-08E60DCC3C08}"/>
               </a:ext>
             </a:extLst>
           </p:cNvPr>
@@ -14390,7 +14340,7 @@
     </p:spTree>
     <p:extLst>
       <p:ext uri="{BB962C8B-B14F-4D97-AF65-F5344CB8AC3E}">
-        <p14:creationId xmlns:p14="http://schemas.microsoft.com/office/powerpoint/2010/main" val="4091674644"/>
+        <p14:creationId xmlns:p14="http://schemas.microsoft.com/office/powerpoint/2010/main" val="1789827523"/>
       </p:ext>
     </p:extLst>
   </p:cSld>
@@ -14419,101 +14369,66 @@
       </p:grpSpPr>
       <p:sp>
         <p:nvSpPr>
-          <p:cNvPr id="2" name="Titel 1">
-            <a:extLst>
-              <a:ext uri="{FF2B5EF4-FFF2-40B4-BE49-F238E27FC236}">
-                <a16:creationId xmlns:a16="http://schemas.microsoft.com/office/drawing/2014/main" id="{19304E83-A4F0-49C5-BB01-F5773509A2B3}"/>
-              </a:ext>
-            </a:extLst>
-          </p:cNvPr>
-          <p:cNvSpPr>
-            <a:spLocks noGrp="1"/>
-          </p:cNvSpPr>
-          <p:nvPr>
-            <p:ph type="title"/>
-          </p:nvPr>
-        </p:nvSpPr>
-        <p:spPr/>
-        <p:txBody>
-          <a:bodyPr rtlCol="0"/>
-          <a:lstStyle/>
-          <a:p>
-            <a:pPr rtl="0"/>
-            <a:r>
-              <a:rPr lang="nl-NL" dirty="0" err="1"/>
-              <a:t>Representations</a:t>
-            </a:r>
-            <a:endParaRPr lang="nl-NL" dirty="0"/>
-          </a:p>
-        </p:txBody>
-      </p:sp>
-      <p:pic>
-        <p:nvPicPr>
-          <p:cNvPr id="16" name="Afbeelding 15">
-            <a:extLst>
-              <a:ext uri="{FF2B5EF4-FFF2-40B4-BE49-F238E27FC236}">
-                <a16:creationId xmlns:a16="http://schemas.microsoft.com/office/drawing/2014/main" id="{EF5B1F9C-0913-4366-87C2-3605C8ACF650}"/>
-              </a:ext>
-            </a:extLst>
-          </p:cNvPr>
-          <p:cNvPicPr>
-            <a:picLocks noChangeAspect="1"/>
-          </p:cNvPicPr>
-          <p:nvPr/>
-        </p:nvPicPr>
-        <p:blipFill>
-          <a:blip r:embed="rId3"/>
-          <a:stretch>
-            <a:fillRect/>
-          </a:stretch>
-        </p:blipFill>
+          <p:cNvPr id="5" name="Tijdelijke aanduiding voor inhoud 4">
+            <a:extLst>
+              <a:ext uri="{FF2B5EF4-FFF2-40B4-BE49-F238E27FC236}">
+                <a16:creationId xmlns:a16="http://schemas.microsoft.com/office/drawing/2014/main" id="{CEEB3BAE-C0B2-447C-B8BE-96C6BD84D658}"/>
+              </a:ext>
+            </a:extLst>
+          </p:cNvPr>
+          <p:cNvSpPr>
+            <a:spLocks noGrp="1"/>
+          </p:cNvSpPr>
+          <p:nvPr>
+            <p:ph sz="half" idx="2"/>
+          </p:nvPr>
+        </p:nvSpPr>
         <p:spPr>
           <a:xfrm>
-            <a:off x="6017938" y="4061828"/>
-            <a:ext cx="2734829" cy="1189056"/>
+            <a:off x="1169993" y="1984948"/>
+            <a:ext cx="4500000" cy="2520000"/>
           </a:xfrm>
-          <a:prstGeom prst="rect">
-            <a:avLst/>
-          </a:prstGeom>
         </p:spPr>
-      </p:pic>
-      <p:sp>
-        <p:nvSpPr>
-          <p:cNvPr id="3" name="Tijdelijke aanduiding voor tekst 2">
-            <a:extLst>
-              <a:ext uri="{FF2B5EF4-FFF2-40B4-BE49-F238E27FC236}">
-                <a16:creationId xmlns:a16="http://schemas.microsoft.com/office/drawing/2014/main" id="{7CA42D59-EAD6-4F95-84F1-32A30F057856}"/>
-              </a:ext>
-            </a:extLst>
-          </p:cNvPr>
-          <p:cNvSpPr>
-            <a:spLocks noGrp="1"/>
-          </p:cNvSpPr>
-          <p:nvPr>
-            <p:ph type="body" sz="quarter" idx="32"/>
-          </p:nvPr>
-        </p:nvSpPr>
-        <p:spPr/>
         <p:txBody>
           <a:bodyPr rtlCol="0"/>
           <a:lstStyle/>
           <a:p>
             <a:pPr rtl="0"/>
             <a:r>
+              <a:rPr lang="nl-NL" dirty="0"/>
+              <a:t>I/O </a:t>
+            </a:r>
+            <a:r>
               <a:rPr lang="nl-NL" dirty="0" err="1"/>
-              <a:t>Representing</a:t>
-            </a:r>
-            <a:r>
-              <a:rPr lang="nl-NL" dirty="0"/>
-              <a:t> a </a:t>
+              <a:t>devices</a:t>
+            </a:r>
+            <a:endParaRPr lang="nl-NL" dirty="0"/>
+          </a:p>
+          <a:p>
+            <a:pPr rtl="0"/>
+            <a:r>
+              <a:rPr lang="nl-NL" dirty="0"/>
+              <a:t>Enterprise </a:t>
             </a:r>
             <a:r>
               <a:rPr lang="nl-NL" dirty="0" err="1"/>
-              <a:t>qubit</a:t>
-            </a:r>
-            <a:r>
-              <a:rPr lang="nl-NL" dirty="0"/>
-              <a:t> </a:t>
+              <a:t>grade</a:t>
+            </a:r>
+            <a:r>
+              <a:rPr lang="nl-NL" dirty="0"/>
+              <a:t> data </a:t>
+            </a:r>
+            <a:r>
+              <a:rPr lang="nl-NL" dirty="0" err="1"/>
+              <a:t>manipulation</a:t>
+            </a:r>
+            <a:endParaRPr lang="nl-NL" dirty="0"/>
+          </a:p>
+          <a:p>
+            <a:pPr rtl="0"/>
+            <a:r>
+              <a:rPr lang="nl-NL" dirty="0"/>
+              <a:t>Enterprise security </a:t>
             </a:r>
             <a:r>
               <a:rPr lang="nl-NL" dirty="0" err="1"/>
@@ -14525,7 +14440,19 @@
             </a:r>
             <a:r>
               <a:rPr lang="nl-NL" dirty="0" err="1"/>
-              <a:t>understanding</a:t>
+              <a:t>atomicity</a:t>
+            </a:r>
+            <a:endParaRPr lang="nl-NL" dirty="0"/>
+          </a:p>
+          <a:p>
+            <a:pPr rtl="0"/>
+            <a:r>
+              <a:rPr lang="nl-NL" dirty="0"/>
+              <a:t>Data </a:t>
+            </a:r>
+            <a:r>
+              <a:rPr lang="nl-NL" dirty="0" err="1"/>
+              <a:t>bottle</a:t>
             </a:r>
             <a:r>
               <a:rPr lang="nl-NL" dirty="0"/>
@@ -14533,141 +14460,24 @@
             </a:r>
             <a:r>
               <a:rPr lang="nl-NL" dirty="0" err="1"/>
-              <a:t>that</a:t>
-            </a:r>
-            <a:r>
-              <a:rPr lang="nl-NL" dirty="0"/>
-              <a:t> </a:t>
+              <a:t>necks</a:t>
+            </a:r>
+            <a:r>
+              <a:rPr lang="nl-NL" dirty="0"/>
+              <a:t> in </a:t>
             </a:r>
             <a:r>
               <a:rPr lang="nl-NL" dirty="0" err="1"/>
-              <a:t>representation</a:t>
-            </a:r>
-            <a:r>
-              <a:rPr lang="nl-NL" dirty="0"/>
-              <a:t> </a:t>
-            </a:r>
-            <a:r>
-              <a:rPr lang="nl-NL" dirty="0" err="1"/>
-              <a:t>can</a:t>
-            </a:r>
-            <a:r>
-              <a:rPr lang="nl-NL" dirty="0"/>
-              <a:t> </a:t>
-            </a:r>
-            <a:r>
-              <a:rPr lang="nl-NL" dirty="0" err="1"/>
-              <a:t>give</a:t>
-            </a:r>
-            <a:r>
-              <a:rPr lang="nl-NL" dirty="0"/>
-              <a:t> </a:t>
-            </a:r>
-            <a:r>
-              <a:rPr lang="nl-NL" dirty="0" err="1"/>
-              <a:t>greater</a:t>
-            </a:r>
-            <a:r>
-              <a:rPr lang="nl-NL" dirty="0"/>
-              <a:t> </a:t>
-            </a:r>
-            <a:r>
-              <a:rPr lang="nl-NL" dirty="0" err="1"/>
-              <a:t>insights</a:t>
-            </a:r>
-            <a:r>
-              <a:rPr lang="nl-NL" dirty="0"/>
-              <a:t> in </a:t>
-            </a:r>
-            <a:r>
-              <a:rPr lang="nl-NL" dirty="0" err="1"/>
-              <a:t>quantum</a:t>
-            </a:r>
-            <a:r>
-              <a:rPr lang="nl-NL" dirty="0"/>
-              <a:t> computing as a </a:t>
-            </a:r>
-            <a:r>
-              <a:rPr lang="nl-NL" dirty="0" err="1"/>
-              <a:t>whole</a:t>
-            </a:r>
-            <a:r>
-              <a:rPr lang="nl-NL" dirty="0"/>
-              <a:t>.</a:t>
-            </a:r>
-          </a:p>
-        </p:txBody>
-      </p:sp>
-      <p:sp>
-        <p:nvSpPr>
-          <p:cNvPr id="4" name="Tijdelijke aanduiding voor tekst 3">
-            <a:extLst>
-              <a:ext uri="{FF2B5EF4-FFF2-40B4-BE49-F238E27FC236}">
-                <a16:creationId xmlns:a16="http://schemas.microsoft.com/office/drawing/2014/main" id="{6AB259A0-0017-492F-A0DC-4B70C7052AE0}"/>
-              </a:ext>
-            </a:extLst>
-          </p:cNvPr>
-          <p:cNvSpPr>
-            <a:spLocks noGrp="1"/>
-          </p:cNvSpPr>
-          <p:nvPr>
-            <p:ph type="body" idx="1"/>
-          </p:nvPr>
-        </p:nvSpPr>
-        <p:spPr>
-          <a:xfrm>
-            <a:off x="432000" y="2119626"/>
-            <a:ext cx="4500000" cy="498616"/>
-          </a:xfrm>
-        </p:spPr>
-        <p:txBody>
-          <a:bodyPr rtlCol="0"/>
-          <a:lstStyle/>
-          <a:p>
-            <a:pPr algn="ctr" rtl="0"/>
-            <a:r>
-              <a:rPr lang="nl-NL" dirty="0"/>
-              <a:t>Multi-</a:t>
-            </a:r>
-            <a:r>
-              <a:rPr lang="nl-NL" dirty="0" err="1"/>
-              <a:t>dimension</a:t>
-            </a:r>
+              <a:t>specific</a:t>
+            </a:r>
+            <a:r>
+              <a:rPr lang="nl-NL" dirty="0"/>
+              <a:t> fields</a:t>
+            </a:r>
+          </a:p>
+          <a:p>
+            <a:pPr rtl="0"/>
             <a:endParaRPr lang="nl-NL" dirty="0"/>
-          </a:p>
-        </p:txBody>
-      </p:sp>
-      <p:sp>
-        <p:nvSpPr>
-          <p:cNvPr id="6" name="Tijdelijke aanduiding voor tekst 5">
-            <a:extLst>
-              <a:ext uri="{FF2B5EF4-FFF2-40B4-BE49-F238E27FC236}">
-                <a16:creationId xmlns:a16="http://schemas.microsoft.com/office/drawing/2014/main" id="{B237D1CA-B91A-410E-A968-D017BBE99F99}"/>
-              </a:ext>
-            </a:extLst>
-          </p:cNvPr>
-          <p:cNvSpPr>
-            <a:spLocks noGrp="1"/>
-          </p:cNvSpPr>
-          <p:nvPr>
-            <p:ph type="body" sz="quarter" idx="13"/>
-          </p:nvPr>
-        </p:nvSpPr>
-        <p:spPr>
-          <a:xfrm>
-            <a:off x="5129800" y="2120386"/>
-            <a:ext cx="4500000" cy="496920"/>
-          </a:xfrm>
-        </p:spPr>
-        <p:txBody>
-          <a:bodyPr rtlCol="0"/>
-          <a:lstStyle/>
-          <a:p>
-            <a:pPr algn="ctr" rtl="0"/>
-            <a:r>
-              <a:rPr lang="nl-NL" dirty="0"/>
-              <a:t>Mathematical</a:t>
-            </a:r>
           </a:p>
         </p:txBody>
       </p:sp>
@@ -14759,6 +14569,679 @@
           </a:p>
         </p:txBody>
       </p:sp>
+      <p:sp>
+        <p:nvSpPr>
+          <p:cNvPr id="11" name="Tijdelijke aanduiding voor tekst 10">
+            <a:extLst>
+              <a:ext uri="{FF2B5EF4-FFF2-40B4-BE49-F238E27FC236}">
+                <a16:creationId xmlns:a16="http://schemas.microsoft.com/office/drawing/2014/main" id="{C10BD615-476E-4782-960E-AAD3B1BE1ED8}"/>
+              </a:ext>
+            </a:extLst>
+          </p:cNvPr>
+          <p:cNvSpPr>
+            <a:spLocks noGrp="1"/>
+          </p:cNvSpPr>
+          <p:nvPr>
+            <p:ph type="body" sz="quarter" idx="32"/>
+          </p:nvPr>
+        </p:nvSpPr>
+        <p:spPr>
+          <a:xfrm>
+            <a:off x="432000" y="1009215"/>
+            <a:ext cx="9198000" cy="360000"/>
+          </a:xfrm>
+        </p:spPr>
+        <p:txBody>
+          <a:bodyPr/>
+          <a:lstStyle/>
+          <a:p>
+            <a:endParaRPr lang="en-GB" dirty="0"/>
+          </a:p>
+        </p:txBody>
+      </p:sp>
+      <p:sp>
+        <p:nvSpPr>
+          <p:cNvPr id="13" name="Titel 12">
+            <a:extLst>
+              <a:ext uri="{FF2B5EF4-FFF2-40B4-BE49-F238E27FC236}">
+                <a16:creationId xmlns:a16="http://schemas.microsoft.com/office/drawing/2014/main" id="{287AED0A-7B7F-4874-B7A3-97B9BE79B956}"/>
+              </a:ext>
+            </a:extLst>
+          </p:cNvPr>
+          <p:cNvSpPr>
+            <a:spLocks noGrp="1"/>
+          </p:cNvSpPr>
+          <p:nvPr>
+            <p:ph type="title"/>
+          </p:nvPr>
+        </p:nvSpPr>
+        <p:spPr/>
+        <p:txBody>
+          <a:bodyPr/>
+          <a:lstStyle/>
+          <a:p>
+            <a:r>
+              <a:rPr lang="en-GB" dirty="0"/>
+              <a:t>Mainframe</a:t>
+            </a:r>
+          </a:p>
+        </p:txBody>
+      </p:sp>
+      <p:pic>
+        <p:nvPicPr>
+          <p:cNvPr id="2050" name="Picture 2" descr="IBM z15 - Overview - Belgium/Luxembourg">
+            <a:extLst>
+              <a:ext uri="{FF2B5EF4-FFF2-40B4-BE49-F238E27FC236}">
+                <a16:creationId xmlns:a16="http://schemas.microsoft.com/office/drawing/2014/main" id="{D5E4B45D-1257-4D3D-8C90-F9C845F651DF}"/>
+              </a:ext>
+            </a:extLst>
+          </p:cNvPr>
+          <p:cNvPicPr>
+            <a:picLocks noChangeAspect="1" noChangeArrowheads="1"/>
+          </p:cNvPicPr>
+          <p:nvPr/>
+        </p:nvPicPr>
+        <p:blipFill>
+          <a:blip r:embed="rId3">
+            <a:extLst>
+              <a:ext uri="{28A0092B-C50C-407E-A947-70E740481C1C}">
+                <a14:useLocalDpi xmlns:a14="http://schemas.microsoft.com/office/drawing/2010/main" val="0"/>
+              </a:ext>
+            </a:extLst>
+          </a:blip>
+          <a:srcRect/>
+          <a:stretch>
+            <a:fillRect/>
+          </a:stretch>
+        </p:blipFill>
+        <p:spPr bwMode="auto">
+          <a:xfrm>
+            <a:off x="5627495" y="4281256"/>
+            <a:ext cx="4002505" cy="2251409"/>
+          </a:xfrm>
+          <a:prstGeom prst="rect">
+            <a:avLst/>
+          </a:prstGeom>
+          <a:noFill/>
+          <a:extLst>
+            <a:ext uri="{909E8E84-426E-40DD-AFC4-6F175D3DCCD1}">
+              <a14:hiddenFill xmlns:a14="http://schemas.microsoft.com/office/drawing/2010/main">
+                <a:solidFill>
+                  <a:srgbClr val="FFFFFF"/>
+                </a:solidFill>
+              </a14:hiddenFill>
+            </a:ext>
+          </a:extLst>
+        </p:spPr>
+      </p:pic>
+    </p:spTree>
+    <p:extLst>
+      <p:ext uri="{BB962C8B-B14F-4D97-AF65-F5344CB8AC3E}">
+        <p14:creationId xmlns:p14="http://schemas.microsoft.com/office/powerpoint/2010/main" val="3087157893"/>
+      </p:ext>
+    </p:extLst>
+  </p:cSld>
+  <p:clrMapOvr>
+    <a:masterClrMapping/>
+  </p:clrMapOvr>
+</p:sld>
+</file>
+
+<file path=ppt/slides/slide5.xml><?xml version="1.0" encoding="utf-8"?>
+<p:sld xmlns:a="http://schemas.openxmlformats.org/drawingml/2006/main" xmlns:r="http://schemas.openxmlformats.org/officeDocument/2006/relationships" xmlns:p="http://schemas.openxmlformats.org/presentationml/2006/main">
+  <p:cSld>
+    <p:spTree>
+      <p:nvGrpSpPr>
+        <p:cNvPr id="1" name=""/>
+        <p:cNvGrpSpPr/>
+        <p:nvPr/>
+      </p:nvGrpSpPr>
+      <p:grpSpPr>
+        <a:xfrm>
+          <a:off x="0" y="0"/>
+          <a:ext cx="0" cy="0"/>
+          <a:chOff x="0" y="0"/>
+          <a:chExt cx="0" cy="0"/>
+        </a:xfrm>
+      </p:grpSpPr>
+      <p:sp>
+        <p:nvSpPr>
+          <p:cNvPr id="3" name="Titel 2">
+            <a:extLst>
+              <a:ext uri="{FF2B5EF4-FFF2-40B4-BE49-F238E27FC236}">
+                <a16:creationId xmlns:a16="http://schemas.microsoft.com/office/drawing/2014/main" id="{200B3D2B-613A-41BE-987D-E6A1324B456D}"/>
+              </a:ext>
+            </a:extLst>
+          </p:cNvPr>
+          <p:cNvSpPr>
+            <a:spLocks noGrp="1"/>
+          </p:cNvSpPr>
+          <p:nvPr>
+            <p:ph type="ctrTitle"/>
+          </p:nvPr>
+        </p:nvSpPr>
+        <p:spPr/>
+        <p:txBody>
+          <a:bodyPr rtlCol="0"/>
+          <a:lstStyle/>
+          <a:p>
+            <a:pPr rtl="0"/>
+            <a:r>
+              <a:rPr lang="nl-NL" dirty="0" err="1"/>
+              <a:t>Qubit</a:t>
+            </a:r>
+            <a:endParaRPr lang="nl-NL" dirty="0"/>
+          </a:p>
+        </p:txBody>
+      </p:sp>
+      <p:sp>
+        <p:nvSpPr>
+          <p:cNvPr id="4" name="Subtitel 3">
+            <a:extLst>
+              <a:ext uri="{FF2B5EF4-FFF2-40B4-BE49-F238E27FC236}">
+                <a16:creationId xmlns:a16="http://schemas.microsoft.com/office/drawing/2014/main" id="{4772945D-CA91-4CFE-8EB7-941C7618C994}"/>
+              </a:ext>
+            </a:extLst>
+          </p:cNvPr>
+          <p:cNvSpPr>
+            <a:spLocks noGrp="1"/>
+          </p:cNvSpPr>
+          <p:nvPr>
+            <p:ph type="subTitle" idx="1"/>
+          </p:nvPr>
+        </p:nvSpPr>
+        <p:spPr/>
+        <p:txBody>
+          <a:bodyPr rtlCol="0"/>
+          <a:lstStyle/>
+          <a:p>
+            <a:pPr rtl="0"/>
+            <a:r>
+              <a:rPr lang="nl-NL" dirty="0"/>
+              <a:t>The </a:t>
+            </a:r>
+            <a:r>
+              <a:rPr lang="nl-NL" dirty="0" err="1"/>
+              <a:t>core</a:t>
+            </a:r>
+            <a:r>
+              <a:rPr lang="nl-NL" dirty="0"/>
+              <a:t> unit of </a:t>
+            </a:r>
+            <a:r>
+              <a:rPr lang="nl-NL" dirty="0" err="1"/>
+              <a:t>any</a:t>
+            </a:r>
+            <a:r>
+              <a:rPr lang="nl-NL" dirty="0"/>
+              <a:t> </a:t>
+            </a:r>
+            <a:r>
+              <a:rPr lang="nl-NL" dirty="0" err="1"/>
+              <a:t>quantum</a:t>
+            </a:r>
+            <a:r>
+              <a:rPr lang="nl-NL" dirty="0"/>
+              <a:t> device</a:t>
+            </a:r>
+          </a:p>
+        </p:txBody>
+      </p:sp>
+      <p:sp>
+        <p:nvSpPr>
+          <p:cNvPr id="5" name="Tijdelijke aanduiding voor dianummer 4">
+            <a:extLst>
+              <a:ext uri="{FF2B5EF4-FFF2-40B4-BE49-F238E27FC236}">
+                <a16:creationId xmlns:a16="http://schemas.microsoft.com/office/drawing/2014/main" id="{BDD5A594-D852-43BB-B591-E9D9027253BD}"/>
+              </a:ext>
+            </a:extLst>
+          </p:cNvPr>
+          <p:cNvSpPr>
+            <a:spLocks noGrp="1"/>
+          </p:cNvSpPr>
+          <p:nvPr>
+            <p:ph type="sldNum" sz="quarter" idx="11"/>
+          </p:nvPr>
+        </p:nvSpPr>
+        <p:spPr/>
+        <p:txBody>
+          <a:bodyPr rtlCol="0"/>
+          <a:lstStyle/>
+          <a:p>
+            <a:pPr rtl="0"/>
+            <a:fld id="{19B51A1E-902D-48AF-9020-955120F399B6}" type="slidenum">
+              <a:rPr lang="nl-NL" smtClean="0"/>
+              <a:pPr rtl="0"/>
+              <a:t>5</a:t>
+            </a:fld>
+            <a:endParaRPr lang="nl-NL" dirty="0"/>
+          </a:p>
+        </p:txBody>
+      </p:sp>
+      <p:sp>
+        <p:nvSpPr>
+          <p:cNvPr id="2" name="Rechthoek 1">
+            <a:extLst>
+              <a:ext uri="{FF2B5EF4-FFF2-40B4-BE49-F238E27FC236}">
+                <a16:creationId xmlns:a16="http://schemas.microsoft.com/office/drawing/2014/main" id="{CA97106F-212C-4A4B-9DF2-3D5761D70A89}"/>
+              </a:ext>
+            </a:extLst>
+          </p:cNvPr>
+          <p:cNvSpPr/>
+          <p:nvPr/>
+        </p:nvSpPr>
+        <p:spPr>
+          <a:xfrm>
+            <a:off x="10005134" y="1704513"/>
+            <a:ext cx="2186866" cy="5153487"/>
+          </a:xfrm>
+          <a:prstGeom prst="rect">
+            <a:avLst/>
+          </a:prstGeom>
+          <a:solidFill>
+            <a:schemeClr val="bg1"/>
+          </a:solidFill>
+          <a:ln>
+            <a:noFill/>
+          </a:ln>
+        </p:spPr>
+        <p:style>
+          <a:lnRef idx="2">
+            <a:schemeClr val="accent1">
+              <a:shade val="50000"/>
+            </a:schemeClr>
+          </a:lnRef>
+          <a:fillRef idx="1">
+            <a:schemeClr val="accent1"/>
+          </a:fillRef>
+          <a:effectRef idx="0">
+            <a:schemeClr val="accent1"/>
+          </a:effectRef>
+          <a:fontRef idx="minor">
+            <a:schemeClr val="lt1"/>
+          </a:fontRef>
+        </p:style>
+        <p:txBody>
+          <a:bodyPr rtlCol="0" anchor="ctr"/>
+          <a:lstStyle/>
+          <a:p>
+            <a:pPr algn="ctr"/>
+            <a:endParaRPr lang="LID4096"/>
+          </a:p>
+        </p:txBody>
+      </p:sp>
+    </p:spTree>
+    <p:extLst>
+      <p:ext uri="{BB962C8B-B14F-4D97-AF65-F5344CB8AC3E}">
+        <p14:creationId xmlns:p14="http://schemas.microsoft.com/office/powerpoint/2010/main" val="4091674644"/>
+      </p:ext>
+    </p:extLst>
+  </p:cSld>
+  <p:clrMapOvr>
+    <a:masterClrMapping/>
+  </p:clrMapOvr>
+</p:sld>
+</file>
+
+<file path=ppt/slides/slide6.xml><?xml version="1.0" encoding="utf-8"?>
+<p:sld xmlns:a="http://schemas.openxmlformats.org/drawingml/2006/main" xmlns:r="http://schemas.openxmlformats.org/officeDocument/2006/relationships" xmlns:p="http://schemas.openxmlformats.org/presentationml/2006/main">
+  <p:cSld>
+    <p:spTree>
+      <p:nvGrpSpPr>
+        <p:cNvPr id="1" name=""/>
+        <p:cNvGrpSpPr/>
+        <p:nvPr/>
+      </p:nvGrpSpPr>
+      <p:grpSpPr>
+        <a:xfrm>
+          <a:off x="0" y="0"/>
+          <a:ext cx="0" cy="0"/>
+          <a:chOff x="0" y="0"/>
+          <a:chExt cx="0" cy="0"/>
+        </a:xfrm>
+      </p:grpSpPr>
+      <p:sp>
+        <p:nvSpPr>
+          <p:cNvPr id="2" name="Titel 1">
+            <a:extLst>
+              <a:ext uri="{FF2B5EF4-FFF2-40B4-BE49-F238E27FC236}">
+                <a16:creationId xmlns:a16="http://schemas.microsoft.com/office/drawing/2014/main" id="{19304E83-A4F0-49C5-BB01-F5773509A2B3}"/>
+              </a:ext>
+            </a:extLst>
+          </p:cNvPr>
+          <p:cNvSpPr>
+            <a:spLocks noGrp="1"/>
+          </p:cNvSpPr>
+          <p:nvPr>
+            <p:ph type="title"/>
+          </p:nvPr>
+        </p:nvSpPr>
+        <p:spPr/>
+        <p:txBody>
+          <a:bodyPr rtlCol="0"/>
+          <a:lstStyle/>
+          <a:p>
+            <a:pPr rtl="0"/>
+            <a:r>
+              <a:rPr lang="nl-NL" dirty="0" err="1"/>
+              <a:t>Representations</a:t>
+            </a:r>
+            <a:endParaRPr lang="nl-NL" dirty="0"/>
+          </a:p>
+        </p:txBody>
+      </p:sp>
+      <p:pic>
+        <p:nvPicPr>
+          <p:cNvPr id="16" name="Afbeelding 15">
+            <a:extLst>
+              <a:ext uri="{FF2B5EF4-FFF2-40B4-BE49-F238E27FC236}">
+                <a16:creationId xmlns:a16="http://schemas.microsoft.com/office/drawing/2014/main" id="{EF5B1F9C-0913-4366-87C2-3605C8ACF650}"/>
+              </a:ext>
+            </a:extLst>
+          </p:cNvPr>
+          <p:cNvPicPr>
+            <a:picLocks noChangeAspect="1"/>
+          </p:cNvPicPr>
+          <p:nvPr/>
+        </p:nvPicPr>
+        <p:blipFill>
+          <a:blip r:embed="rId3"/>
+          <a:stretch>
+            <a:fillRect/>
+          </a:stretch>
+        </p:blipFill>
+        <p:spPr>
+          <a:xfrm>
+            <a:off x="6017938" y="4061828"/>
+            <a:ext cx="2734829" cy="1189056"/>
+          </a:xfrm>
+          <a:prstGeom prst="rect">
+            <a:avLst/>
+          </a:prstGeom>
+        </p:spPr>
+      </p:pic>
+      <p:sp>
+        <p:nvSpPr>
+          <p:cNvPr id="3" name="Tijdelijke aanduiding voor tekst 2">
+            <a:extLst>
+              <a:ext uri="{FF2B5EF4-FFF2-40B4-BE49-F238E27FC236}">
+                <a16:creationId xmlns:a16="http://schemas.microsoft.com/office/drawing/2014/main" id="{7CA42D59-EAD6-4F95-84F1-32A30F057856}"/>
+              </a:ext>
+            </a:extLst>
+          </p:cNvPr>
+          <p:cNvSpPr>
+            <a:spLocks noGrp="1"/>
+          </p:cNvSpPr>
+          <p:nvPr>
+            <p:ph type="body" sz="quarter" idx="32"/>
+          </p:nvPr>
+        </p:nvSpPr>
+        <p:spPr/>
+        <p:txBody>
+          <a:bodyPr rtlCol="0"/>
+          <a:lstStyle/>
+          <a:p>
+            <a:pPr rtl="0"/>
+            <a:r>
+              <a:rPr lang="nl-NL" dirty="0" err="1"/>
+              <a:t>Representing</a:t>
+            </a:r>
+            <a:r>
+              <a:rPr lang="nl-NL" dirty="0"/>
+              <a:t> a </a:t>
+            </a:r>
+            <a:r>
+              <a:rPr lang="nl-NL" dirty="0" err="1"/>
+              <a:t>qubit</a:t>
+            </a:r>
+            <a:r>
+              <a:rPr lang="nl-NL" dirty="0"/>
+              <a:t> </a:t>
+            </a:r>
+            <a:r>
+              <a:rPr lang="nl-NL" dirty="0" err="1"/>
+              <a:t>and</a:t>
+            </a:r>
+            <a:r>
+              <a:rPr lang="nl-NL" dirty="0"/>
+              <a:t> </a:t>
+            </a:r>
+            <a:r>
+              <a:rPr lang="nl-NL" dirty="0" err="1"/>
+              <a:t>understanding</a:t>
+            </a:r>
+            <a:r>
+              <a:rPr lang="nl-NL" dirty="0"/>
+              <a:t> </a:t>
+            </a:r>
+            <a:r>
+              <a:rPr lang="nl-NL" dirty="0" err="1"/>
+              <a:t>that</a:t>
+            </a:r>
+            <a:r>
+              <a:rPr lang="nl-NL" dirty="0"/>
+              <a:t> </a:t>
+            </a:r>
+            <a:r>
+              <a:rPr lang="nl-NL" dirty="0" err="1"/>
+              <a:t>representation</a:t>
+            </a:r>
+            <a:r>
+              <a:rPr lang="nl-NL" dirty="0"/>
+              <a:t> </a:t>
+            </a:r>
+            <a:r>
+              <a:rPr lang="nl-NL" dirty="0" err="1"/>
+              <a:t>can</a:t>
+            </a:r>
+            <a:r>
+              <a:rPr lang="nl-NL" dirty="0"/>
+              <a:t> </a:t>
+            </a:r>
+            <a:r>
+              <a:rPr lang="nl-NL" dirty="0" err="1"/>
+              <a:t>give</a:t>
+            </a:r>
+            <a:r>
+              <a:rPr lang="nl-NL" dirty="0"/>
+              <a:t> </a:t>
+            </a:r>
+            <a:r>
+              <a:rPr lang="nl-NL" dirty="0" err="1"/>
+              <a:t>greater</a:t>
+            </a:r>
+            <a:r>
+              <a:rPr lang="nl-NL" dirty="0"/>
+              <a:t> </a:t>
+            </a:r>
+            <a:r>
+              <a:rPr lang="nl-NL" dirty="0" err="1"/>
+              <a:t>insights</a:t>
+            </a:r>
+            <a:r>
+              <a:rPr lang="nl-NL" dirty="0"/>
+              <a:t> in </a:t>
+            </a:r>
+            <a:r>
+              <a:rPr lang="nl-NL" dirty="0" err="1"/>
+              <a:t>quantum</a:t>
+            </a:r>
+            <a:r>
+              <a:rPr lang="nl-NL" dirty="0"/>
+              <a:t> computing as a </a:t>
+            </a:r>
+            <a:r>
+              <a:rPr lang="nl-NL" dirty="0" err="1"/>
+              <a:t>whole</a:t>
+            </a:r>
+            <a:r>
+              <a:rPr lang="nl-NL" dirty="0"/>
+              <a:t>.</a:t>
+            </a:r>
+          </a:p>
+        </p:txBody>
+      </p:sp>
+      <p:sp>
+        <p:nvSpPr>
+          <p:cNvPr id="4" name="Tijdelijke aanduiding voor tekst 3">
+            <a:extLst>
+              <a:ext uri="{FF2B5EF4-FFF2-40B4-BE49-F238E27FC236}">
+                <a16:creationId xmlns:a16="http://schemas.microsoft.com/office/drawing/2014/main" id="{6AB259A0-0017-492F-A0DC-4B70C7052AE0}"/>
+              </a:ext>
+            </a:extLst>
+          </p:cNvPr>
+          <p:cNvSpPr>
+            <a:spLocks noGrp="1"/>
+          </p:cNvSpPr>
+          <p:nvPr>
+            <p:ph type="body" idx="1"/>
+          </p:nvPr>
+        </p:nvSpPr>
+        <p:spPr>
+          <a:xfrm>
+            <a:off x="432000" y="2119626"/>
+            <a:ext cx="4500000" cy="498616"/>
+          </a:xfrm>
+        </p:spPr>
+        <p:txBody>
+          <a:bodyPr rtlCol="0"/>
+          <a:lstStyle/>
+          <a:p>
+            <a:pPr algn="ctr" rtl="0"/>
+            <a:r>
+              <a:rPr lang="nl-NL" dirty="0"/>
+              <a:t>Multi-</a:t>
+            </a:r>
+            <a:r>
+              <a:rPr lang="nl-NL" dirty="0" err="1"/>
+              <a:t>dimension</a:t>
+            </a:r>
+            <a:endParaRPr lang="nl-NL" dirty="0"/>
+          </a:p>
+        </p:txBody>
+      </p:sp>
+      <p:sp>
+        <p:nvSpPr>
+          <p:cNvPr id="6" name="Tijdelijke aanduiding voor tekst 5">
+            <a:extLst>
+              <a:ext uri="{FF2B5EF4-FFF2-40B4-BE49-F238E27FC236}">
+                <a16:creationId xmlns:a16="http://schemas.microsoft.com/office/drawing/2014/main" id="{B237D1CA-B91A-410E-A968-D017BBE99F99}"/>
+              </a:ext>
+            </a:extLst>
+          </p:cNvPr>
+          <p:cNvSpPr>
+            <a:spLocks noGrp="1"/>
+          </p:cNvSpPr>
+          <p:nvPr>
+            <p:ph type="body" sz="quarter" idx="13"/>
+          </p:nvPr>
+        </p:nvSpPr>
+        <p:spPr>
+          <a:xfrm>
+            <a:off x="5129800" y="2120386"/>
+            <a:ext cx="4500000" cy="496920"/>
+          </a:xfrm>
+        </p:spPr>
+        <p:txBody>
+          <a:bodyPr rtlCol="0"/>
+          <a:lstStyle/>
+          <a:p>
+            <a:pPr algn="ctr" rtl="0"/>
+            <a:r>
+              <a:rPr lang="nl-NL" dirty="0"/>
+              <a:t>Mathematical</a:t>
+            </a:r>
+          </a:p>
+        </p:txBody>
+      </p:sp>
+      <p:sp>
+        <p:nvSpPr>
+          <p:cNvPr id="8" name="Tijdelijke aanduiding voor dianummer 7">
+            <a:extLst>
+              <a:ext uri="{FF2B5EF4-FFF2-40B4-BE49-F238E27FC236}">
+                <a16:creationId xmlns:a16="http://schemas.microsoft.com/office/drawing/2014/main" id="{E6AC9832-FB01-464A-9824-61887B77997E}"/>
+              </a:ext>
+            </a:extLst>
+          </p:cNvPr>
+          <p:cNvSpPr>
+            <a:spLocks noGrp="1"/>
+          </p:cNvSpPr>
+          <p:nvPr>
+            <p:ph type="sldNum" sz="quarter" idx="33"/>
+          </p:nvPr>
+        </p:nvSpPr>
+        <p:spPr>
+          <a:xfrm>
+            <a:off x="11447502" y="6401750"/>
+            <a:ext cx="278418" cy="274324"/>
+          </a:xfrm>
+        </p:spPr>
+        <p:txBody>
+          <a:bodyPr rtlCol="0"/>
+          <a:lstStyle/>
+          <a:p>
+            <a:pPr rtl="0"/>
+            <a:fld id="{19B51A1E-902D-48AF-9020-955120F399B6}" type="slidenum">
+              <a:rPr lang="nl-NL" smtClean="0"/>
+              <a:pPr rtl="0"/>
+              <a:t>6</a:t>
+            </a:fld>
+            <a:endParaRPr lang="nl-NL" dirty="0"/>
+          </a:p>
+        </p:txBody>
+      </p:sp>
+      <p:sp>
+        <p:nvSpPr>
+          <p:cNvPr id="9" name="Rechthoek 8">
+            <a:extLst>
+              <a:ext uri="{FF2B5EF4-FFF2-40B4-BE49-F238E27FC236}">
+                <a16:creationId xmlns:a16="http://schemas.microsoft.com/office/drawing/2014/main" id="{769B8F3F-DBFA-482D-93C8-2B22038072F1}"/>
+              </a:ext>
+            </a:extLst>
+          </p:cNvPr>
+          <p:cNvSpPr/>
+          <p:nvPr/>
+        </p:nvSpPr>
+        <p:spPr>
+          <a:xfrm>
+            <a:off x="10005134" y="1704513"/>
+            <a:ext cx="2186866" cy="5153487"/>
+          </a:xfrm>
+          <a:prstGeom prst="rect">
+            <a:avLst/>
+          </a:prstGeom>
+          <a:solidFill>
+            <a:schemeClr val="bg1"/>
+          </a:solidFill>
+          <a:ln>
+            <a:noFill/>
+          </a:ln>
+        </p:spPr>
+        <p:style>
+          <a:lnRef idx="2">
+            <a:schemeClr val="accent1">
+              <a:shade val="50000"/>
+            </a:schemeClr>
+          </a:lnRef>
+          <a:fillRef idx="1">
+            <a:schemeClr val="accent1"/>
+          </a:fillRef>
+          <a:effectRef idx="0">
+            <a:schemeClr val="accent1"/>
+          </a:effectRef>
+          <a:fontRef idx="minor">
+            <a:schemeClr val="lt1"/>
+          </a:fontRef>
+        </p:style>
+        <p:txBody>
+          <a:bodyPr rtlCol="0" anchor="ctr"/>
+          <a:lstStyle/>
+          <a:p>
+            <a:pPr algn="ctr"/>
+            <a:endParaRPr lang="LID4096"/>
+          </a:p>
+        </p:txBody>
+      </p:sp>
       <p:pic>
         <p:nvPicPr>
           <p:cNvPr id="11" name="Afbeelding 10" descr="Afbeelding met gebouw&#10;&#10;Automatisch gegenereerde beschrijving">
@@ -14808,7 +15291,7 @@
 </p:sld>
 </file>
 
-<file path=ppt/slides/slide5.xml><?xml version="1.0" encoding="utf-8"?>
+<file path=ppt/slides/slide7.xml><?xml version="1.0" encoding="utf-8"?>
 <p:sld xmlns:a="http://schemas.openxmlformats.org/drawingml/2006/main" xmlns:r="http://schemas.openxmlformats.org/officeDocument/2006/relationships" xmlns:p="http://schemas.openxmlformats.org/presentationml/2006/main">
   <p:cSld>
     <p:spTree>
@@ -14949,7 +15432,7 @@
             <a:fld id="{19B51A1E-902D-48AF-9020-955120F399B6}" type="slidenum">
               <a:rPr lang="nl-NL" smtClean="0"/>
               <a:pPr rtl="0"/>
-              <a:t>5</a:t>
+              <a:t>7</a:t>
             </a:fld>
             <a:endParaRPr lang="nl-NL" dirty="0"/>
           </a:p>
@@ -15146,7 +15629,7 @@
 </p:sld>
 </file>
 
-<file path=ppt/slides/slide6.xml><?xml version="1.0" encoding="utf-8"?>
+<file path=ppt/slides/slide8.xml><?xml version="1.0" encoding="utf-8"?>
 <p:sld xmlns:a="http://schemas.openxmlformats.org/drawingml/2006/main" xmlns:r="http://schemas.openxmlformats.org/officeDocument/2006/relationships" xmlns:p="http://schemas.openxmlformats.org/presentationml/2006/main">
   <p:cSld>
     <p:spTree>
@@ -15282,7 +15765,7 @@
             <a:fld id="{19B51A1E-902D-48AF-9020-955120F399B6}" type="slidenum">
               <a:rPr lang="nl-NL" smtClean="0"/>
               <a:pPr rtl="0"/>
-              <a:t>6</a:t>
+              <a:t>8</a:t>
             </a:fld>
             <a:endParaRPr lang="nl-NL" dirty="0"/>
           </a:p>
@@ -15353,7 +15836,7 @@
 </p:sld>
 </file>
 
-<file path=ppt/slides/slide7.xml><?xml version="1.0" encoding="utf-8"?>
+<file path=ppt/slides/slide9.xml><?xml version="1.0" encoding="utf-8"?>
 <p:sld xmlns:a="http://schemas.openxmlformats.org/drawingml/2006/main" xmlns:r="http://schemas.openxmlformats.org/officeDocument/2006/relationships" xmlns:p="http://schemas.openxmlformats.org/presentationml/2006/main">
   <p:cSld>
     <p:spTree>
@@ -15430,7 +15913,7 @@
             <a:fld id="{19B51A1E-902D-48AF-9020-955120F399B6}" type="slidenum">
               <a:rPr lang="nl-NL" smtClean="0"/>
               <a:pPr rtl="0"/>
-              <a:t>7</a:t>
+              <a:t>9</a:t>
             </a:fld>
             <a:endParaRPr lang="nl-NL" dirty="0"/>
           </a:p>
@@ -15539,473 +16022,6 @@
     <p:extLst>
       <p:ext uri="{BB962C8B-B14F-4D97-AF65-F5344CB8AC3E}">
         <p14:creationId xmlns:p14="http://schemas.microsoft.com/office/powerpoint/2010/main" val="455979423"/>
-      </p:ext>
-    </p:extLst>
-  </p:cSld>
-  <p:clrMapOvr>
-    <a:masterClrMapping/>
-  </p:clrMapOvr>
-</p:sld>
-</file>
-
-<file path=ppt/slides/slide8.xml><?xml version="1.0" encoding="utf-8"?>
-<p:sld xmlns:a="http://schemas.openxmlformats.org/drawingml/2006/main" xmlns:r="http://schemas.openxmlformats.org/officeDocument/2006/relationships" xmlns:p="http://schemas.openxmlformats.org/presentationml/2006/main">
-  <p:cSld>
-    <p:spTree>
-      <p:nvGrpSpPr>
-        <p:cNvPr id="1" name=""/>
-        <p:cNvGrpSpPr/>
-        <p:nvPr/>
-      </p:nvGrpSpPr>
-      <p:grpSpPr>
-        <a:xfrm>
-          <a:off x="0" y="0"/>
-          <a:ext cx="0" cy="0"/>
-          <a:chOff x="0" y="0"/>
-          <a:chExt cx="0" cy="0"/>
-        </a:xfrm>
-      </p:grpSpPr>
-      <p:sp>
-        <p:nvSpPr>
-          <p:cNvPr id="2" name="Titel 1">
-            <a:extLst>
-              <a:ext uri="{FF2B5EF4-FFF2-40B4-BE49-F238E27FC236}">
-                <a16:creationId xmlns:a16="http://schemas.microsoft.com/office/drawing/2014/main" id="{19304E83-A4F0-49C5-BB01-F5773509A2B3}"/>
-              </a:ext>
-            </a:extLst>
-          </p:cNvPr>
-          <p:cNvSpPr>
-            <a:spLocks noGrp="1"/>
-          </p:cNvSpPr>
-          <p:nvPr>
-            <p:ph type="title"/>
-          </p:nvPr>
-        </p:nvSpPr>
-        <p:spPr/>
-        <p:txBody>
-          <a:bodyPr rtlCol="0"/>
-          <a:lstStyle/>
-          <a:p>
-            <a:pPr rtl="0"/>
-            <a:r>
-              <a:rPr lang="nl-NL" dirty="0" err="1"/>
-              <a:t>Entanglement</a:t>
-            </a:r>
-            <a:endParaRPr lang="nl-NL" dirty="0"/>
-          </a:p>
-        </p:txBody>
-      </p:sp>
-      <p:sp>
-        <p:nvSpPr>
-          <p:cNvPr id="8" name="Tijdelijke aanduiding voor dianummer 7">
-            <a:extLst>
-              <a:ext uri="{FF2B5EF4-FFF2-40B4-BE49-F238E27FC236}">
-                <a16:creationId xmlns:a16="http://schemas.microsoft.com/office/drawing/2014/main" id="{E6AC9832-FB01-464A-9824-61887B77997E}"/>
-              </a:ext>
-            </a:extLst>
-          </p:cNvPr>
-          <p:cNvSpPr>
-            <a:spLocks noGrp="1"/>
-          </p:cNvSpPr>
-          <p:nvPr>
-            <p:ph type="sldNum" sz="quarter" idx="33"/>
-          </p:nvPr>
-        </p:nvSpPr>
-        <p:spPr>
-          <a:xfrm>
-            <a:off x="11447502" y="6401750"/>
-            <a:ext cx="278418" cy="274324"/>
-          </a:xfrm>
-        </p:spPr>
-        <p:txBody>
-          <a:bodyPr rtlCol="0"/>
-          <a:lstStyle/>
-          <a:p>
-            <a:pPr rtl="0"/>
-            <a:fld id="{19B51A1E-902D-48AF-9020-955120F399B6}" type="slidenum">
-              <a:rPr lang="nl-NL" smtClean="0"/>
-              <a:pPr rtl="0"/>
-              <a:t>8</a:t>
-            </a:fld>
-            <a:endParaRPr lang="nl-NL" dirty="0"/>
-          </a:p>
-        </p:txBody>
-      </p:sp>
-      <p:sp>
-        <p:nvSpPr>
-          <p:cNvPr id="9" name="Rechthoek 8">
-            <a:extLst>
-              <a:ext uri="{FF2B5EF4-FFF2-40B4-BE49-F238E27FC236}">
-                <a16:creationId xmlns:a16="http://schemas.microsoft.com/office/drawing/2014/main" id="{769B8F3F-DBFA-482D-93C8-2B22038072F1}"/>
-              </a:ext>
-            </a:extLst>
-          </p:cNvPr>
-          <p:cNvSpPr/>
-          <p:nvPr/>
-        </p:nvSpPr>
-        <p:spPr>
-          <a:xfrm>
-            <a:off x="10005134" y="1704513"/>
-            <a:ext cx="2186866" cy="5153487"/>
-          </a:xfrm>
-          <a:prstGeom prst="rect">
-            <a:avLst/>
-          </a:prstGeom>
-          <a:solidFill>
-            <a:schemeClr val="bg1"/>
-          </a:solidFill>
-          <a:ln>
-            <a:noFill/>
-          </a:ln>
-        </p:spPr>
-        <p:style>
-          <a:lnRef idx="2">
-            <a:schemeClr val="accent1">
-              <a:shade val="50000"/>
-            </a:schemeClr>
-          </a:lnRef>
-          <a:fillRef idx="1">
-            <a:schemeClr val="accent1"/>
-          </a:fillRef>
-          <a:effectRef idx="0">
-            <a:schemeClr val="accent1"/>
-          </a:effectRef>
-          <a:fontRef idx="minor">
-            <a:schemeClr val="lt1"/>
-          </a:fontRef>
-        </p:style>
-        <p:txBody>
-          <a:bodyPr rtlCol="0" anchor="ctr"/>
-          <a:lstStyle/>
-          <a:p>
-            <a:pPr algn="ctr"/>
-            <a:endParaRPr lang="LID4096"/>
-          </a:p>
-        </p:txBody>
-      </p:sp>
-      <p:pic>
-        <p:nvPicPr>
-          <p:cNvPr id="6" name="Picture 4" descr="Bloch sphere">
-            <a:extLst>
-              <a:ext uri="{FF2B5EF4-FFF2-40B4-BE49-F238E27FC236}">
-                <a16:creationId xmlns:a16="http://schemas.microsoft.com/office/drawing/2014/main" id="{043A264A-40C6-41A0-B7C0-E39A29AC06FE}"/>
-              </a:ext>
-            </a:extLst>
-          </p:cNvPr>
-          <p:cNvPicPr>
-            <a:picLocks noChangeAspect="1" noChangeArrowheads="1"/>
-          </p:cNvPicPr>
-          <p:nvPr/>
-        </p:nvPicPr>
-        <p:blipFill>
-          <a:blip r:embed="rId3">
-            <a:extLst>
-              <a:ext uri="{28A0092B-C50C-407E-A947-70E740481C1C}">
-                <a14:useLocalDpi xmlns:a14="http://schemas.microsoft.com/office/drawing/2010/main" val="0"/>
-              </a:ext>
-            </a:extLst>
-          </a:blip>
-          <a:srcRect/>
-          <a:stretch>
-            <a:fillRect/>
-          </a:stretch>
-        </p:blipFill>
-        <p:spPr bwMode="auto">
-          <a:xfrm>
-            <a:off x="432000" y="2251646"/>
-            <a:ext cx="3144347" cy="2790872"/>
-          </a:xfrm>
-          <a:prstGeom prst="rect">
-            <a:avLst/>
-          </a:prstGeom>
-          <a:noFill/>
-          <a:extLst>
-            <a:ext uri="{909E8E84-426E-40DD-AFC4-6F175D3DCCD1}">
-              <a14:hiddenFill xmlns:a14="http://schemas.microsoft.com/office/drawing/2010/main">
-                <a:solidFill>
-                  <a:srgbClr val="FFFFFF"/>
-                </a:solidFill>
-              </a14:hiddenFill>
-            </a:ext>
-          </a:extLst>
-        </p:spPr>
-      </p:pic>
-      <p:pic>
-        <p:nvPicPr>
-          <p:cNvPr id="7" name="Picture 4" descr="Bloch sphere">
-            <a:extLst>
-              <a:ext uri="{FF2B5EF4-FFF2-40B4-BE49-F238E27FC236}">
-                <a16:creationId xmlns:a16="http://schemas.microsoft.com/office/drawing/2014/main" id="{011EEF79-3118-4F24-8C11-B3FED1204A73}"/>
-              </a:ext>
-            </a:extLst>
-          </p:cNvPr>
-          <p:cNvPicPr>
-            <a:picLocks noChangeAspect="1" noChangeArrowheads="1"/>
-          </p:cNvPicPr>
-          <p:nvPr/>
-        </p:nvPicPr>
-        <p:blipFill>
-          <a:blip r:embed="rId3">
-            <a:extLst>
-              <a:ext uri="{28A0092B-C50C-407E-A947-70E740481C1C}">
-                <a14:useLocalDpi xmlns:a14="http://schemas.microsoft.com/office/drawing/2010/main" val="0"/>
-              </a:ext>
-            </a:extLst>
-          </a:blip>
-          <a:srcRect/>
-          <a:stretch>
-            <a:fillRect/>
-          </a:stretch>
-        </p:blipFill>
-        <p:spPr bwMode="auto">
-          <a:xfrm>
-            <a:off x="6485653" y="2251646"/>
-            <a:ext cx="3144347" cy="2790872"/>
-          </a:xfrm>
-          <a:prstGeom prst="rect">
-            <a:avLst/>
-          </a:prstGeom>
-          <a:noFill/>
-          <a:extLst>
-            <a:ext uri="{909E8E84-426E-40DD-AFC4-6F175D3DCCD1}">
-              <a14:hiddenFill xmlns:a14="http://schemas.microsoft.com/office/drawing/2010/main">
-                <a:solidFill>
-                  <a:srgbClr val="FFFFFF"/>
-                </a:solidFill>
-              </a14:hiddenFill>
-            </a:ext>
-          </a:extLst>
-        </p:spPr>
-      </p:pic>
-      <p:pic>
-        <p:nvPicPr>
-          <p:cNvPr id="4" name="Afbeelding 3">
-            <a:extLst>
-              <a:ext uri="{FF2B5EF4-FFF2-40B4-BE49-F238E27FC236}">
-                <a16:creationId xmlns:a16="http://schemas.microsoft.com/office/drawing/2014/main" id="{F7232C08-8C0A-4CD4-A771-11C1DD24ECEE}"/>
-              </a:ext>
-            </a:extLst>
-          </p:cNvPr>
-          <p:cNvPicPr>
-            <a:picLocks noChangeAspect="1"/>
-          </p:cNvPicPr>
-          <p:nvPr/>
-        </p:nvPicPr>
-        <p:blipFill>
-          <a:blip r:embed="rId4"/>
-          <a:stretch>
-            <a:fillRect/>
-          </a:stretch>
-        </p:blipFill>
-        <p:spPr>
-          <a:xfrm>
-            <a:off x="3825998" y="2251646"/>
-            <a:ext cx="2474573" cy="2790872"/>
-          </a:xfrm>
-          <a:prstGeom prst="rect">
-            <a:avLst/>
-          </a:prstGeom>
-        </p:spPr>
-      </p:pic>
-    </p:spTree>
-    <p:extLst>
-      <p:ext uri="{BB962C8B-B14F-4D97-AF65-F5344CB8AC3E}">
-        <p14:creationId xmlns:p14="http://schemas.microsoft.com/office/powerpoint/2010/main" val="1139893420"/>
-      </p:ext>
-    </p:extLst>
-  </p:cSld>
-  <p:clrMapOvr>
-    <a:masterClrMapping/>
-  </p:clrMapOvr>
-</p:sld>
-</file>
-
-<file path=ppt/slides/slide9.xml><?xml version="1.0" encoding="utf-8"?>
-<p:sld xmlns:a="http://schemas.openxmlformats.org/drawingml/2006/main" xmlns:r="http://schemas.openxmlformats.org/officeDocument/2006/relationships" xmlns:p="http://schemas.openxmlformats.org/presentationml/2006/main">
-  <p:cSld>
-    <p:spTree>
-      <p:nvGrpSpPr>
-        <p:cNvPr id="1" name=""/>
-        <p:cNvGrpSpPr/>
-        <p:nvPr/>
-      </p:nvGrpSpPr>
-      <p:grpSpPr>
-        <a:xfrm>
-          <a:off x="0" y="0"/>
-          <a:ext cx="0" cy="0"/>
-          <a:chOff x="0" y="0"/>
-          <a:chExt cx="0" cy="0"/>
-        </a:xfrm>
-      </p:grpSpPr>
-      <p:sp>
-        <p:nvSpPr>
-          <p:cNvPr id="2" name="Titel 1">
-            <a:extLst>
-              <a:ext uri="{FF2B5EF4-FFF2-40B4-BE49-F238E27FC236}">
-                <a16:creationId xmlns:a16="http://schemas.microsoft.com/office/drawing/2014/main" id="{19304E83-A4F0-49C5-BB01-F5773509A2B3}"/>
-              </a:ext>
-            </a:extLst>
-          </p:cNvPr>
-          <p:cNvSpPr>
-            <a:spLocks noGrp="1"/>
-          </p:cNvSpPr>
-          <p:nvPr>
-            <p:ph type="title"/>
-          </p:nvPr>
-        </p:nvSpPr>
-        <p:spPr/>
-        <p:txBody>
-          <a:bodyPr rtlCol="0"/>
-          <a:lstStyle/>
-          <a:p>
-            <a:pPr rtl="0"/>
-            <a:r>
-              <a:rPr lang="nl-NL" dirty="0" err="1"/>
-              <a:t>Interference</a:t>
-            </a:r>
-            <a:endParaRPr lang="nl-NL" dirty="0"/>
-          </a:p>
-        </p:txBody>
-      </p:sp>
-      <p:sp>
-        <p:nvSpPr>
-          <p:cNvPr id="8" name="Tijdelijke aanduiding voor dianummer 7">
-            <a:extLst>
-              <a:ext uri="{FF2B5EF4-FFF2-40B4-BE49-F238E27FC236}">
-                <a16:creationId xmlns:a16="http://schemas.microsoft.com/office/drawing/2014/main" id="{E6AC9832-FB01-464A-9824-61887B77997E}"/>
-              </a:ext>
-            </a:extLst>
-          </p:cNvPr>
-          <p:cNvSpPr>
-            <a:spLocks noGrp="1"/>
-          </p:cNvSpPr>
-          <p:nvPr>
-            <p:ph type="sldNum" sz="quarter" idx="33"/>
-          </p:nvPr>
-        </p:nvSpPr>
-        <p:spPr>
-          <a:xfrm>
-            <a:off x="11447502" y="6401750"/>
-            <a:ext cx="278418" cy="274324"/>
-          </a:xfrm>
-        </p:spPr>
-        <p:txBody>
-          <a:bodyPr rtlCol="0"/>
-          <a:lstStyle/>
-          <a:p>
-            <a:pPr rtl="0"/>
-            <a:fld id="{19B51A1E-902D-48AF-9020-955120F399B6}" type="slidenum">
-              <a:rPr lang="nl-NL" smtClean="0"/>
-              <a:pPr rtl="0"/>
-              <a:t>9</a:t>
-            </a:fld>
-            <a:endParaRPr lang="nl-NL" dirty="0"/>
-          </a:p>
-        </p:txBody>
-      </p:sp>
-      <p:sp>
-        <p:nvSpPr>
-          <p:cNvPr id="9" name="Rechthoek 8">
-            <a:extLst>
-              <a:ext uri="{FF2B5EF4-FFF2-40B4-BE49-F238E27FC236}">
-                <a16:creationId xmlns:a16="http://schemas.microsoft.com/office/drawing/2014/main" id="{769B8F3F-DBFA-482D-93C8-2B22038072F1}"/>
-              </a:ext>
-            </a:extLst>
-          </p:cNvPr>
-          <p:cNvSpPr/>
-          <p:nvPr/>
-        </p:nvSpPr>
-        <p:spPr>
-          <a:xfrm>
-            <a:off x="10005134" y="1704513"/>
-            <a:ext cx="2186866" cy="5153487"/>
-          </a:xfrm>
-          <a:prstGeom prst="rect">
-            <a:avLst/>
-          </a:prstGeom>
-          <a:solidFill>
-            <a:schemeClr val="bg1"/>
-          </a:solidFill>
-          <a:ln>
-            <a:noFill/>
-          </a:ln>
-        </p:spPr>
-        <p:style>
-          <a:lnRef idx="2">
-            <a:schemeClr val="accent1">
-              <a:shade val="50000"/>
-            </a:schemeClr>
-          </a:lnRef>
-          <a:fillRef idx="1">
-            <a:schemeClr val="accent1"/>
-          </a:fillRef>
-          <a:effectRef idx="0">
-            <a:schemeClr val="accent1"/>
-          </a:effectRef>
-          <a:fontRef idx="minor">
-            <a:schemeClr val="lt1"/>
-          </a:fontRef>
-        </p:style>
-        <p:txBody>
-          <a:bodyPr rtlCol="0" anchor="ctr"/>
-          <a:lstStyle/>
-          <a:p>
-            <a:pPr algn="ctr"/>
-            <a:endParaRPr lang="LID4096"/>
-          </a:p>
-        </p:txBody>
-      </p:sp>
-      <p:pic>
-        <p:nvPicPr>
-          <p:cNvPr id="4098" name="Picture 2" descr="Wave interference - Wikipedia">
-            <a:extLst>
-              <a:ext uri="{FF2B5EF4-FFF2-40B4-BE49-F238E27FC236}">
-                <a16:creationId xmlns:a16="http://schemas.microsoft.com/office/drawing/2014/main" id="{F382CE70-BEFB-4B00-B145-C8056CE51CD9}"/>
-              </a:ext>
-            </a:extLst>
-          </p:cNvPr>
-          <p:cNvPicPr>
-            <a:picLocks noChangeAspect="1" noChangeArrowheads="1"/>
-          </p:cNvPicPr>
-          <p:nvPr/>
-        </p:nvPicPr>
-        <p:blipFill>
-          <a:blip r:embed="rId3">
-            <a:extLst>
-              <a:ext uri="{28A0092B-C50C-407E-A947-70E740481C1C}">
-                <a14:useLocalDpi xmlns:a14="http://schemas.microsoft.com/office/drawing/2010/main" val="0"/>
-              </a:ext>
-            </a:extLst>
-          </a:blip>
-          <a:srcRect/>
-          <a:stretch>
-            <a:fillRect/>
-          </a:stretch>
-        </p:blipFill>
-        <p:spPr bwMode="auto">
-          <a:xfrm>
-            <a:off x="432000" y="2060776"/>
-            <a:ext cx="9029180" cy="3017251"/>
-          </a:xfrm>
-          <a:prstGeom prst="rect">
-            <a:avLst/>
-          </a:prstGeom>
-          <a:noFill/>
-          <a:extLst>
-            <a:ext uri="{909E8E84-426E-40DD-AFC4-6F175D3DCCD1}">
-              <a14:hiddenFill xmlns:a14="http://schemas.microsoft.com/office/drawing/2010/main">
-                <a:solidFill>
-                  <a:srgbClr val="FFFFFF"/>
-                </a:solidFill>
-              </a14:hiddenFill>
-            </a:ext>
-          </a:extLst>
-        </p:spPr>
-      </p:pic>
-    </p:spTree>
-    <p:extLst>
-      <p:ext uri="{BB962C8B-B14F-4D97-AF65-F5344CB8AC3E}">
-        <p14:creationId xmlns:p14="http://schemas.microsoft.com/office/powerpoint/2010/main" val="819258562"/>
       </p:ext>
     </p:extLst>
   </p:cSld>
